--- a/ppts/1.pptx
+++ b/ppts/1.pptx
@@ -5,21 +5,23 @@
     <p:sldMasterId id="2147483648" r:id="rId1"/>
   </p:sldMasterIdLst>
   <p:notesMasterIdLst>
-    <p:notesMasterId r:id="rId14"/>
+    <p:notesMasterId r:id="rId16"/>
   </p:notesMasterIdLst>
   <p:sldIdLst>
     <p:sldId id="256" r:id="rId2"/>
-    <p:sldId id="257" r:id="rId3"/>
-    <p:sldId id="258" r:id="rId4"/>
-    <p:sldId id="260" r:id="rId5"/>
-    <p:sldId id="261" r:id="rId6"/>
-    <p:sldId id="271" r:id="rId7"/>
-    <p:sldId id="263" r:id="rId8"/>
-    <p:sldId id="272" r:id="rId9"/>
-    <p:sldId id="270" r:id="rId10"/>
-    <p:sldId id="268" r:id="rId11"/>
-    <p:sldId id="269" r:id="rId12"/>
-    <p:sldId id="262" r:id="rId13"/>
+    <p:sldId id="274" r:id="rId3"/>
+    <p:sldId id="257" r:id="rId4"/>
+    <p:sldId id="258" r:id="rId5"/>
+    <p:sldId id="260" r:id="rId6"/>
+    <p:sldId id="261" r:id="rId7"/>
+    <p:sldId id="271" r:id="rId8"/>
+    <p:sldId id="263" r:id="rId9"/>
+    <p:sldId id="273" r:id="rId10"/>
+    <p:sldId id="272" r:id="rId11"/>
+    <p:sldId id="270" r:id="rId12"/>
+    <p:sldId id="268" r:id="rId13"/>
+    <p:sldId id="269" r:id="rId14"/>
+    <p:sldId id="262" r:id="rId15"/>
   </p:sldIdLst>
   <p:sldSz cx="12192000" cy="6858000"/>
   <p:notesSz cx="9144000" cy="6858000"/>
@@ -124,12 +126,14 @@
         <p14:section name="Default Section" id="{B80810EF-53C0-43AC-AD82-DF72347FBF8D}">
           <p14:sldIdLst>
             <p14:sldId id="256"/>
+            <p14:sldId id="274"/>
             <p14:sldId id="257"/>
             <p14:sldId id="258"/>
             <p14:sldId id="260"/>
             <p14:sldId id="261"/>
             <p14:sldId id="271"/>
             <p14:sldId id="263"/>
+            <p14:sldId id="273"/>
             <p14:sldId id="272"/>
             <p14:sldId id="270"/>
             <p14:sldId id="268"/>
@@ -240,7 +244,7 @@
             <a:fld id="{44289A0A-592F-4579-AE78-0E63EB14E26A}" type="datetimeFigureOut">
               <a:rPr lang="en-IN" smtClean="0"/>
               <a:pPr/>
-              <a:t>20-02-2025</a:t>
+              <a:t>12-03-2025</a:t>
             </a:fld>
             <a:endParaRPr lang="en-IN" dirty="0"/>
           </a:p>
@@ -659,7 +663,7 @@
             <a:fld id="{87258022-64EF-452F-8D36-0822664E8985}" type="datetime1">
               <a:rPr lang="en-IN" smtClean="0"/>
               <a:pPr/>
-              <a:t>20-02-2025</a:t>
+              <a:t>12-03-2025</a:t>
             </a:fld>
             <a:endParaRPr lang="en-IN" dirty="0"/>
           </a:p>
@@ -864,7 +868,7 @@
             <a:fld id="{56912B54-1760-41F2-8318-530517A222A4}" type="datetime1">
               <a:rPr lang="en-IN" smtClean="0"/>
               <a:pPr/>
-              <a:t>20-02-2025</a:t>
+              <a:t>12-03-2025</a:t>
             </a:fld>
             <a:endParaRPr lang="en-IN" dirty="0"/>
           </a:p>
@@ -1079,7 +1083,7 @@
             <a:fld id="{8E1F4FCE-2F2D-4C01-ACCD-36BE74E81988}" type="datetime1">
               <a:rPr lang="en-IN" smtClean="0"/>
               <a:pPr/>
-              <a:t>20-02-2025</a:t>
+              <a:t>12-03-2025</a:t>
             </a:fld>
             <a:endParaRPr lang="en-IN" dirty="0"/>
           </a:p>
@@ -1284,7 +1288,7 @@
             <a:fld id="{2CC9E186-6116-4DA0-9085-C1235117DB6B}" type="datetime1">
               <a:rPr lang="en-IN" smtClean="0"/>
               <a:pPr/>
-              <a:t>20-02-2025</a:t>
+              <a:t>12-03-2025</a:t>
             </a:fld>
             <a:endParaRPr lang="en-IN" dirty="0"/>
           </a:p>
@@ -1565,7 +1569,7 @@
             <a:fld id="{B2E76FE1-C54F-4FDD-A6FB-58FD7630B3D2}" type="datetime1">
               <a:rPr lang="en-IN" smtClean="0"/>
               <a:pPr/>
-              <a:t>20-02-2025</a:t>
+              <a:t>12-03-2025</a:t>
             </a:fld>
             <a:endParaRPr lang="en-IN" dirty="0"/>
           </a:p>
@@ -1838,7 +1842,7 @@
             <a:fld id="{BE77A854-7F67-4017-9F1B-EDC8264659C5}" type="datetime1">
               <a:rPr lang="en-IN" smtClean="0"/>
               <a:pPr/>
-              <a:t>20-02-2025</a:t>
+              <a:t>12-03-2025</a:t>
             </a:fld>
             <a:endParaRPr lang="en-IN" dirty="0"/>
           </a:p>
@@ -2258,7 +2262,7 @@
             <a:fld id="{D2121448-6933-4BB0-B792-C1E582F9D1FA}" type="datetime1">
               <a:rPr lang="en-IN" smtClean="0"/>
               <a:pPr/>
-              <a:t>20-02-2025</a:t>
+              <a:t>12-03-2025</a:t>
             </a:fld>
             <a:endParaRPr lang="en-IN" dirty="0"/>
           </a:p>
@@ -2405,7 +2409,7 @@
             <a:fld id="{15C10BDD-C7BF-4BEB-8E7F-F79F7321F5B8}" type="datetime1">
               <a:rPr lang="en-IN" smtClean="0"/>
               <a:pPr/>
-              <a:t>20-02-2025</a:t>
+              <a:t>12-03-2025</a:t>
             </a:fld>
             <a:endParaRPr lang="en-IN" dirty="0"/>
           </a:p>
@@ -2523,7 +2527,7 @@
             <a:fld id="{D77E40BC-515D-4E09-A178-D303E1A3E17B}" type="datetime1">
               <a:rPr lang="en-IN" smtClean="0"/>
               <a:pPr/>
-              <a:t>20-02-2025</a:t>
+              <a:t>12-03-2025</a:t>
             </a:fld>
             <a:endParaRPr lang="en-IN" dirty="0"/>
           </a:p>
@@ -2841,7 +2845,7 @@
             <a:fld id="{C2AF0C54-21AD-4FB5-9865-70BB251358AA}" type="datetime1">
               <a:rPr lang="en-IN" smtClean="0"/>
               <a:pPr/>
-              <a:t>20-02-2025</a:t>
+              <a:t>12-03-2025</a:t>
             </a:fld>
             <a:endParaRPr lang="en-IN" dirty="0"/>
           </a:p>
@@ -3135,7 +3139,7 @@
             <a:fld id="{5018FA60-D1E1-456E-BA02-2BA934B9F55C}" type="datetime1">
               <a:rPr lang="en-IN" smtClean="0"/>
               <a:pPr/>
-              <a:t>20-02-2025</a:t>
+              <a:t>12-03-2025</a:t>
             </a:fld>
             <a:endParaRPr lang="en-IN" dirty="0"/>
           </a:p>
@@ -3392,7 +3396,7 @@
             <a:fld id="{69451571-2412-45EA-922C-E514E61E09A6}" type="datetime1">
               <a:rPr lang="en-IN" smtClean="0"/>
               <a:pPr/>
-              <a:t>20-02-2025</a:t>
+              <a:t>12-03-2025</a:t>
             </a:fld>
             <a:endParaRPr lang="en-IN" dirty="0"/>
           </a:p>
@@ -3989,16 +3993,6 @@
               <a:defRPr/>
             </a:pPr>
             <a:r>
-              <a:rPr lang="en-IN" sz="2000" b="1" dirty="0" smtClean="0">
-                <a:solidFill>
-                  <a:srgbClr val="FF0000"/>
-                </a:solidFill>
-                <a:latin typeface="Times New Roman" pitchFamily="18" charset="0"/>
-                <a:cs typeface="Times New Roman" pitchFamily="18" charset="0"/>
-              </a:rPr>
-              <a:t>First </a:t>
-            </a:r>
-            <a:r>
               <a:rPr lang="en-IN" sz="2000" b="1" dirty="0">
                 <a:solidFill>
                   <a:srgbClr val="FF0000"/>
@@ -4006,7 +4000,7 @@
                 <a:latin typeface="Times New Roman" pitchFamily="18" charset="0"/>
                 <a:cs typeface="Times New Roman" pitchFamily="18" charset="0"/>
               </a:rPr>
-              <a:t>Review</a:t>
+              <a:t>First Review</a:t>
             </a:r>
           </a:p>
           <a:p>
@@ -4031,7 +4025,7 @@
               <a:t>: </a:t>
             </a:r>
             <a:r>
-              <a:rPr lang="en-US" sz="2000" dirty="0">
+              <a:rPr lang="en-US" sz="2000" b="1" dirty="0">
                 <a:latin typeface="Times New Roman" pitchFamily="18" charset="0"/>
                 <a:cs typeface="Times New Roman" pitchFamily="18" charset="0"/>
               </a:rPr>
@@ -5102,6 +5096,1457 @@
       </p:grpSpPr>
       <p:sp>
         <p:nvSpPr>
+          <p:cNvPr id="2" name="Rectangle 1"/>
+          <p:cNvSpPr/>
+          <p:nvPr/>
+        </p:nvSpPr>
+        <p:spPr>
+          <a:xfrm>
+            <a:off x="562320" y="551192"/>
+            <a:ext cx="5396606" cy="584775"/>
+          </a:xfrm>
+          <a:prstGeom prst="rect">
+            <a:avLst/>
+          </a:prstGeom>
+        </p:spPr>
+        <p:txBody>
+          <a:bodyPr wrap="none">
+            <a:spAutoFit/>
+          </a:bodyPr>
+          <a:lstStyle/>
+          <a:p>
+            <a:r>
+              <a:rPr lang="en-US" sz="3200" b="1" dirty="0">
+                <a:solidFill>
+                  <a:srgbClr val="FF0000"/>
+                </a:solidFill>
+                <a:latin typeface="Times New Roman" panose="02020603050405020304" pitchFamily="18" charset="0"/>
+                <a:cs typeface="Times New Roman" panose="02020603050405020304" pitchFamily="18" charset="0"/>
+              </a:rPr>
+              <a:t>Proposed System Flow Chart </a:t>
+            </a:r>
+            <a:endParaRPr lang="en-US" sz="3200" dirty="0">
+              <a:solidFill>
+                <a:srgbClr val="FF0000"/>
+              </a:solidFill>
+              <a:latin typeface="Times New Roman" panose="02020603050405020304" pitchFamily="18" charset="0"/>
+              <a:cs typeface="Times New Roman" panose="02020603050405020304" pitchFamily="18" charset="0"/>
+            </a:endParaRPr>
+          </a:p>
+        </p:txBody>
+      </p:sp>
+      <p:sp>
+        <p:nvSpPr>
+          <p:cNvPr id="12" name="Flowchart: Terminator 11">
+            <a:extLst>
+              <a:ext uri="{FF2B5EF4-FFF2-40B4-BE49-F238E27FC236}">
+                <a16:creationId xmlns:a16="http://schemas.microsoft.com/office/drawing/2014/main" id="{11B45F52-1A29-8E9F-60DC-BFBD5F233797}"/>
+              </a:ext>
+            </a:extLst>
+          </p:cNvPr>
+          <p:cNvSpPr/>
+          <p:nvPr/>
+        </p:nvSpPr>
+        <p:spPr>
+          <a:xfrm>
+            <a:off x="595914" y="1332925"/>
+            <a:ext cx="2705100" cy="685800"/>
+          </a:xfrm>
+          <a:prstGeom prst="flowChartTerminator">
+            <a:avLst/>
+          </a:prstGeom>
+          <a:solidFill>
+            <a:schemeClr val="accent1">
+              <a:lumMod val="40000"/>
+              <a:lumOff val="60000"/>
+            </a:schemeClr>
+          </a:solidFill>
+          <a:effectLst>
+            <a:softEdge rad="31750"/>
+          </a:effectLst>
+        </p:spPr>
+        <p:style>
+          <a:lnRef idx="2">
+            <a:schemeClr val="accent1">
+              <a:shade val="15000"/>
+            </a:schemeClr>
+          </a:lnRef>
+          <a:fillRef idx="1">
+            <a:schemeClr val="accent1"/>
+          </a:fillRef>
+          <a:effectRef idx="0">
+            <a:schemeClr val="accent1"/>
+          </a:effectRef>
+          <a:fontRef idx="minor">
+            <a:schemeClr val="lt1"/>
+          </a:fontRef>
+        </p:style>
+        <p:txBody>
+          <a:bodyPr rtlCol="0" anchor="ctr"/>
+          <a:lstStyle/>
+          <a:p>
+            <a:pPr algn="ctr"/>
+            <a:endParaRPr lang="en-IN" dirty="0">
+              <a:solidFill>
+                <a:srgbClr val="FF0000"/>
+              </a:solidFill>
+            </a:endParaRPr>
+          </a:p>
+        </p:txBody>
+      </p:sp>
+      <p:sp>
+        <p:nvSpPr>
+          <p:cNvPr id="22" name="Flowchart: Terminator 21">
+            <a:extLst>
+              <a:ext uri="{FF2B5EF4-FFF2-40B4-BE49-F238E27FC236}">
+                <a16:creationId xmlns:a16="http://schemas.microsoft.com/office/drawing/2014/main" id="{AF4571A5-9C84-4F29-0A1B-73D5FC3CF852}"/>
+              </a:ext>
+            </a:extLst>
+          </p:cNvPr>
+          <p:cNvSpPr/>
+          <p:nvPr/>
+        </p:nvSpPr>
+        <p:spPr>
+          <a:xfrm>
+            <a:off x="1090442" y="2165561"/>
+            <a:ext cx="2705100" cy="685800"/>
+          </a:xfrm>
+          <a:prstGeom prst="flowChartTerminator">
+            <a:avLst/>
+          </a:prstGeom>
+          <a:solidFill>
+            <a:schemeClr val="accent1">
+              <a:lumMod val="40000"/>
+              <a:lumOff val="60000"/>
+            </a:schemeClr>
+          </a:solidFill>
+          <a:effectLst>
+            <a:softEdge rad="31750"/>
+          </a:effectLst>
+        </p:spPr>
+        <p:style>
+          <a:lnRef idx="2">
+            <a:schemeClr val="accent1">
+              <a:shade val="15000"/>
+            </a:schemeClr>
+          </a:lnRef>
+          <a:fillRef idx="1">
+            <a:schemeClr val="accent1"/>
+          </a:fillRef>
+          <a:effectRef idx="0">
+            <a:schemeClr val="accent1"/>
+          </a:effectRef>
+          <a:fontRef idx="minor">
+            <a:schemeClr val="lt1"/>
+          </a:fontRef>
+        </p:style>
+        <p:txBody>
+          <a:bodyPr rtlCol="0" anchor="ctr"/>
+          <a:lstStyle/>
+          <a:p>
+            <a:pPr algn="ctr"/>
+            <a:endParaRPr lang="en-IN">
+              <a:solidFill>
+                <a:srgbClr val="FF0000"/>
+              </a:solidFill>
+            </a:endParaRPr>
+          </a:p>
+        </p:txBody>
+      </p:sp>
+      <p:sp>
+        <p:nvSpPr>
+          <p:cNvPr id="23" name="Flowchart: Terminator 22">
+            <a:extLst>
+              <a:ext uri="{FF2B5EF4-FFF2-40B4-BE49-F238E27FC236}">
+                <a16:creationId xmlns:a16="http://schemas.microsoft.com/office/drawing/2014/main" id="{ACA210A8-F25D-8972-4F08-79737A0EF9AC}"/>
+              </a:ext>
+            </a:extLst>
+          </p:cNvPr>
+          <p:cNvSpPr/>
+          <p:nvPr/>
+        </p:nvSpPr>
+        <p:spPr>
+          <a:xfrm>
+            <a:off x="1658533" y="2990345"/>
+            <a:ext cx="2705100" cy="685800"/>
+          </a:xfrm>
+          <a:prstGeom prst="flowChartTerminator">
+            <a:avLst/>
+          </a:prstGeom>
+          <a:solidFill>
+            <a:schemeClr val="accent1">
+              <a:lumMod val="40000"/>
+              <a:lumOff val="60000"/>
+            </a:schemeClr>
+          </a:solidFill>
+          <a:effectLst>
+            <a:softEdge rad="31750"/>
+          </a:effectLst>
+        </p:spPr>
+        <p:style>
+          <a:lnRef idx="2">
+            <a:schemeClr val="accent1">
+              <a:shade val="15000"/>
+            </a:schemeClr>
+          </a:lnRef>
+          <a:fillRef idx="1">
+            <a:schemeClr val="accent1"/>
+          </a:fillRef>
+          <a:effectRef idx="0">
+            <a:schemeClr val="accent1"/>
+          </a:effectRef>
+          <a:fontRef idx="minor">
+            <a:schemeClr val="lt1"/>
+          </a:fontRef>
+        </p:style>
+        <p:txBody>
+          <a:bodyPr rtlCol="0" anchor="ctr"/>
+          <a:lstStyle/>
+          <a:p>
+            <a:pPr algn="ctr"/>
+            <a:endParaRPr lang="en-IN">
+              <a:solidFill>
+                <a:srgbClr val="FF0000"/>
+              </a:solidFill>
+            </a:endParaRPr>
+          </a:p>
+        </p:txBody>
+      </p:sp>
+      <p:sp>
+        <p:nvSpPr>
+          <p:cNvPr id="24" name="Flowchart: Terminator 23">
+            <a:extLst>
+              <a:ext uri="{FF2B5EF4-FFF2-40B4-BE49-F238E27FC236}">
+                <a16:creationId xmlns:a16="http://schemas.microsoft.com/office/drawing/2014/main" id="{850E3580-C1F2-B6C6-0A53-6CF71989E083}"/>
+              </a:ext>
+            </a:extLst>
+          </p:cNvPr>
+          <p:cNvSpPr/>
+          <p:nvPr/>
+        </p:nvSpPr>
+        <p:spPr>
+          <a:xfrm>
+            <a:off x="2242274" y="3823834"/>
+            <a:ext cx="2705100" cy="685800"/>
+          </a:xfrm>
+          <a:prstGeom prst="flowChartTerminator">
+            <a:avLst/>
+          </a:prstGeom>
+          <a:solidFill>
+            <a:schemeClr val="accent1">
+              <a:lumMod val="40000"/>
+              <a:lumOff val="60000"/>
+            </a:schemeClr>
+          </a:solidFill>
+          <a:effectLst>
+            <a:softEdge rad="31750"/>
+          </a:effectLst>
+        </p:spPr>
+        <p:style>
+          <a:lnRef idx="2">
+            <a:schemeClr val="accent1">
+              <a:shade val="15000"/>
+            </a:schemeClr>
+          </a:lnRef>
+          <a:fillRef idx="1">
+            <a:schemeClr val="accent1"/>
+          </a:fillRef>
+          <a:effectRef idx="0">
+            <a:schemeClr val="accent1"/>
+          </a:effectRef>
+          <a:fontRef idx="minor">
+            <a:schemeClr val="lt1"/>
+          </a:fontRef>
+        </p:style>
+        <p:txBody>
+          <a:bodyPr rtlCol="0" anchor="ctr"/>
+          <a:lstStyle/>
+          <a:p>
+            <a:pPr algn="ctr"/>
+            <a:endParaRPr lang="en-IN">
+              <a:solidFill>
+                <a:srgbClr val="FF0000"/>
+              </a:solidFill>
+            </a:endParaRPr>
+          </a:p>
+        </p:txBody>
+      </p:sp>
+      <p:sp>
+        <p:nvSpPr>
+          <p:cNvPr id="26" name="Flowchart: Terminator 25">
+            <a:extLst>
+              <a:ext uri="{FF2B5EF4-FFF2-40B4-BE49-F238E27FC236}">
+                <a16:creationId xmlns:a16="http://schemas.microsoft.com/office/drawing/2014/main" id="{FE9B60DE-258C-2C1E-CEF4-12536C029E56}"/>
+              </a:ext>
+            </a:extLst>
+          </p:cNvPr>
+          <p:cNvSpPr/>
+          <p:nvPr/>
+        </p:nvSpPr>
+        <p:spPr>
+          <a:xfrm>
+            <a:off x="2866119" y="4661569"/>
+            <a:ext cx="2705100" cy="685800"/>
+          </a:xfrm>
+          <a:prstGeom prst="flowChartTerminator">
+            <a:avLst/>
+          </a:prstGeom>
+          <a:solidFill>
+            <a:schemeClr val="accent1">
+              <a:lumMod val="40000"/>
+              <a:lumOff val="60000"/>
+            </a:schemeClr>
+          </a:solidFill>
+          <a:effectLst>
+            <a:softEdge rad="31750"/>
+          </a:effectLst>
+        </p:spPr>
+        <p:style>
+          <a:lnRef idx="2">
+            <a:schemeClr val="accent1">
+              <a:shade val="15000"/>
+            </a:schemeClr>
+          </a:lnRef>
+          <a:fillRef idx="1">
+            <a:schemeClr val="accent1"/>
+          </a:fillRef>
+          <a:effectRef idx="0">
+            <a:schemeClr val="accent1"/>
+          </a:effectRef>
+          <a:fontRef idx="minor">
+            <a:schemeClr val="lt1"/>
+          </a:fontRef>
+        </p:style>
+        <p:txBody>
+          <a:bodyPr rtlCol="0" anchor="ctr"/>
+          <a:lstStyle/>
+          <a:p>
+            <a:pPr algn="ctr"/>
+            <a:endParaRPr lang="en-IN">
+              <a:solidFill>
+                <a:srgbClr val="FF0000"/>
+              </a:solidFill>
+            </a:endParaRPr>
+          </a:p>
+        </p:txBody>
+      </p:sp>
+      <p:sp>
+        <p:nvSpPr>
+          <p:cNvPr id="28" name="TextBox 27">
+            <a:extLst>
+              <a:ext uri="{FF2B5EF4-FFF2-40B4-BE49-F238E27FC236}">
+                <a16:creationId xmlns:a16="http://schemas.microsoft.com/office/drawing/2014/main" id="{6C7CDE28-DD3C-8707-CD6D-B8E0FC0CFAB2}"/>
+              </a:ext>
+            </a:extLst>
+          </p:cNvPr>
+          <p:cNvSpPr txBox="1"/>
+          <p:nvPr/>
+        </p:nvSpPr>
+        <p:spPr>
+          <a:xfrm>
+            <a:off x="940084" y="1485325"/>
+            <a:ext cx="2108200" cy="381000"/>
+          </a:xfrm>
+          <a:prstGeom prst="rect">
+            <a:avLst/>
+          </a:prstGeom>
+          <a:noFill/>
+        </p:spPr>
+        <p:txBody>
+          <a:bodyPr wrap="square" rtlCol="0">
+            <a:spAutoFit/>
+          </a:bodyPr>
+          <a:lstStyle/>
+          <a:p>
+            <a:pPr algn="ctr"/>
+            <a:r>
+              <a:rPr lang="en-IN" b="1" dirty="0"/>
+              <a:t>Data Collection</a:t>
+            </a:r>
+          </a:p>
+        </p:txBody>
+      </p:sp>
+      <p:sp>
+        <p:nvSpPr>
+          <p:cNvPr id="29" name="TextBox 28">
+            <a:extLst>
+              <a:ext uri="{FF2B5EF4-FFF2-40B4-BE49-F238E27FC236}">
+                <a16:creationId xmlns:a16="http://schemas.microsoft.com/office/drawing/2014/main" id="{D95C32A1-55E3-7391-E30F-493D073C2F87}"/>
+              </a:ext>
+            </a:extLst>
+          </p:cNvPr>
+          <p:cNvSpPr txBox="1"/>
+          <p:nvPr/>
+        </p:nvSpPr>
+        <p:spPr>
+          <a:xfrm>
+            <a:off x="3118849" y="4813969"/>
+            <a:ext cx="2108200" cy="381000"/>
+          </a:xfrm>
+          <a:prstGeom prst="rect">
+            <a:avLst/>
+          </a:prstGeom>
+          <a:noFill/>
+        </p:spPr>
+        <p:txBody>
+          <a:bodyPr wrap="square" rtlCol="0">
+            <a:spAutoFit/>
+          </a:bodyPr>
+          <a:lstStyle/>
+          <a:p>
+            <a:pPr algn="ctr"/>
+            <a:r>
+              <a:rPr lang="en-IN" b="1" dirty="0"/>
+              <a:t>Decision Support</a:t>
+            </a:r>
+          </a:p>
+        </p:txBody>
+      </p:sp>
+      <p:sp>
+        <p:nvSpPr>
+          <p:cNvPr id="30" name="TextBox 29">
+            <a:extLst>
+              <a:ext uri="{FF2B5EF4-FFF2-40B4-BE49-F238E27FC236}">
+                <a16:creationId xmlns:a16="http://schemas.microsoft.com/office/drawing/2014/main" id="{1A7E1B42-50DD-569E-34F3-93BFF4C92401}"/>
+              </a:ext>
+            </a:extLst>
+          </p:cNvPr>
+          <p:cNvSpPr txBox="1"/>
+          <p:nvPr/>
+        </p:nvSpPr>
+        <p:spPr>
+          <a:xfrm>
+            <a:off x="2636960" y="3976234"/>
+            <a:ext cx="2108200" cy="381000"/>
+          </a:xfrm>
+          <a:prstGeom prst="rect">
+            <a:avLst/>
+          </a:prstGeom>
+          <a:noFill/>
+        </p:spPr>
+        <p:txBody>
+          <a:bodyPr wrap="square" rtlCol="0">
+            <a:spAutoFit/>
+          </a:bodyPr>
+          <a:lstStyle/>
+          <a:p>
+            <a:r>
+              <a:rPr lang="en-IN" b="1" dirty="0"/>
+              <a:t>Volatility Analysis</a:t>
+            </a:r>
+            <a:r>
+              <a:rPr lang="en-IN" dirty="0"/>
+              <a:t> </a:t>
+            </a:r>
+          </a:p>
+        </p:txBody>
+      </p:sp>
+      <p:sp>
+        <p:nvSpPr>
+          <p:cNvPr id="33" name="TextBox 32">
+            <a:extLst>
+              <a:ext uri="{FF2B5EF4-FFF2-40B4-BE49-F238E27FC236}">
+                <a16:creationId xmlns:a16="http://schemas.microsoft.com/office/drawing/2014/main" id="{4F1B5C8E-2DBC-26DD-D71F-46CAD6258B2E}"/>
+              </a:ext>
+            </a:extLst>
+          </p:cNvPr>
+          <p:cNvSpPr txBox="1"/>
+          <p:nvPr/>
+        </p:nvSpPr>
+        <p:spPr>
+          <a:xfrm>
+            <a:off x="1416324" y="2320165"/>
+            <a:ext cx="2108200" cy="381000"/>
+          </a:xfrm>
+          <a:prstGeom prst="rect">
+            <a:avLst/>
+          </a:prstGeom>
+          <a:noFill/>
+        </p:spPr>
+        <p:txBody>
+          <a:bodyPr wrap="square" rtlCol="0">
+            <a:spAutoFit/>
+          </a:bodyPr>
+          <a:lstStyle/>
+          <a:p>
+            <a:r>
+              <a:rPr lang="en-IN" b="1" dirty="0"/>
+              <a:t>Data Preprocessing</a:t>
+            </a:r>
+            <a:r>
+              <a:rPr lang="en-IN" dirty="0"/>
+              <a:t> </a:t>
+            </a:r>
+          </a:p>
+        </p:txBody>
+      </p:sp>
+      <p:sp>
+        <p:nvSpPr>
+          <p:cNvPr id="32" name="TextBox 31">
+            <a:extLst>
+              <a:ext uri="{FF2B5EF4-FFF2-40B4-BE49-F238E27FC236}">
+                <a16:creationId xmlns:a16="http://schemas.microsoft.com/office/drawing/2014/main" id="{92EAC5BA-4645-4F23-6CE0-0B4E09A6C450}"/>
+              </a:ext>
+            </a:extLst>
+          </p:cNvPr>
+          <p:cNvSpPr txBox="1"/>
+          <p:nvPr/>
+        </p:nvSpPr>
+        <p:spPr>
+          <a:xfrm>
+            <a:off x="1944441" y="3021581"/>
+            <a:ext cx="2108200" cy="646331"/>
+          </a:xfrm>
+          <a:prstGeom prst="rect">
+            <a:avLst/>
+          </a:prstGeom>
+          <a:noFill/>
+        </p:spPr>
+        <p:txBody>
+          <a:bodyPr wrap="square" rtlCol="0">
+            <a:spAutoFit/>
+          </a:bodyPr>
+          <a:lstStyle/>
+          <a:p>
+            <a:pPr algn="ctr"/>
+            <a:r>
+              <a:rPr lang="en-IN" b="1" dirty="0"/>
+              <a:t>Price Prediction Models</a:t>
+            </a:r>
+          </a:p>
+        </p:txBody>
+      </p:sp>
+      <p:sp>
+        <p:nvSpPr>
+          <p:cNvPr id="5" name="TextBox 4">
+            <a:extLst>
+              <a:ext uri="{FF2B5EF4-FFF2-40B4-BE49-F238E27FC236}">
+                <a16:creationId xmlns:a16="http://schemas.microsoft.com/office/drawing/2014/main" id="{E78380FB-4A46-0697-E018-63924E1EC6C0}"/>
+              </a:ext>
+            </a:extLst>
+          </p:cNvPr>
+          <p:cNvSpPr txBox="1"/>
+          <p:nvPr/>
+        </p:nvSpPr>
+        <p:spPr>
+          <a:xfrm>
+            <a:off x="3301014" y="1332925"/>
+            <a:ext cx="6094140" cy="646331"/>
+          </a:xfrm>
+          <a:prstGeom prst="rect">
+            <a:avLst/>
+          </a:prstGeom>
+          <a:noFill/>
+        </p:spPr>
+        <p:txBody>
+          <a:bodyPr wrap="square">
+            <a:spAutoFit/>
+          </a:bodyPr>
+          <a:lstStyle/>
+          <a:p>
+            <a:r>
+              <a:rPr lang="en-US"/>
+              <a:t>AGMARKNET, Government Reports, Market APIs, Weather Data, News/Social Media.</a:t>
+            </a:r>
+            <a:endParaRPr lang="en-IN" dirty="0"/>
+          </a:p>
+        </p:txBody>
+      </p:sp>
+      <p:sp>
+        <p:nvSpPr>
+          <p:cNvPr id="7" name="TextBox 6">
+            <a:extLst>
+              <a:ext uri="{FF2B5EF4-FFF2-40B4-BE49-F238E27FC236}">
+                <a16:creationId xmlns:a16="http://schemas.microsoft.com/office/drawing/2014/main" id="{B7666CDB-584B-6ED1-4134-59F36A463710}"/>
+              </a:ext>
+            </a:extLst>
+          </p:cNvPr>
+          <p:cNvSpPr txBox="1"/>
+          <p:nvPr/>
+        </p:nvSpPr>
+        <p:spPr>
+          <a:xfrm>
+            <a:off x="3771479" y="2301767"/>
+            <a:ext cx="6094140" cy="369332"/>
+          </a:xfrm>
+          <a:prstGeom prst="rect">
+            <a:avLst/>
+          </a:prstGeom>
+          <a:noFill/>
+        </p:spPr>
+        <p:txBody>
+          <a:bodyPr wrap="square">
+            <a:spAutoFit/>
+          </a:bodyPr>
+          <a:lstStyle/>
+          <a:p>
+            <a:r>
+              <a:rPr lang="en-US" dirty="0"/>
+              <a:t>Data Cleaning, Feature Engineering, Time-Series Processing.</a:t>
+            </a:r>
+            <a:endParaRPr lang="en-IN" dirty="0"/>
+          </a:p>
+        </p:txBody>
+      </p:sp>
+      <p:sp>
+        <p:nvSpPr>
+          <p:cNvPr id="9" name="TextBox 8">
+            <a:extLst>
+              <a:ext uri="{FF2B5EF4-FFF2-40B4-BE49-F238E27FC236}">
+                <a16:creationId xmlns:a16="http://schemas.microsoft.com/office/drawing/2014/main" id="{439E228C-32C3-EA80-2303-BE8196F1CC5E}"/>
+              </a:ext>
+            </a:extLst>
+          </p:cNvPr>
+          <p:cNvSpPr txBox="1"/>
+          <p:nvPr/>
+        </p:nvSpPr>
+        <p:spPr>
+          <a:xfrm>
+            <a:off x="4363633" y="3094464"/>
+            <a:ext cx="6094140" cy="369332"/>
+          </a:xfrm>
+          <a:prstGeom prst="rect">
+            <a:avLst/>
+          </a:prstGeom>
+          <a:noFill/>
+        </p:spPr>
+        <p:txBody>
+          <a:bodyPr wrap="square">
+            <a:spAutoFit/>
+          </a:bodyPr>
+          <a:lstStyle/>
+          <a:p>
+            <a:r>
+              <a:rPr lang="en-IN" dirty="0"/>
+              <a:t>ARIMA, SARIMA, XGBoost, Random Forest, LSTM, GRU.</a:t>
+            </a:r>
+          </a:p>
+        </p:txBody>
+      </p:sp>
+      <p:sp>
+        <p:nvSpPr>
+          <p:cNvPr id="11" name="TextBox 10">
+            <a:extLst>
+              <a:ext uri="{FF2B5EF4-FFF2-40B4-BE49-F238E27FC236}">
+                <a16:creationId xmlns:a16="http://schemas.microsoft.com/office/drawing/2014/main" id="{4507E6B4-4B24-03FB-21E1-D045315A48CA}"/>
+              </a:ext>
+            </a:extLst>
+          </p:cNvPr>
+          <p:cNvSpPr txBox="1"/>
+          <p:nvPr/>
+        </p:nvSpPr>
+        <p:spPr>
+          <a:xfrm>
+            <a:off x="4947374" y="3933594"/>
+            <a:ext cx="6094140" cy="369332"/>
+          </a:xfrm>
+          <a:prstGeom prst="rect">
+            <a:avLst/>
+          </a:prstGeom>
+          <a:noFill/>
+        </p:spPr>
+        <p:txBody>
+          <a:bodyPr wrap="square">
+            <a:spAutoFit/>
+          </a:bodyPr>
+          <a:lstStyle/>
+          <a:p>
+            <a:r>
+              <a:rPr lang="en-US" dirty="0"/>
+              <a:t>GARCH Model, Sentiment Analysis, Anomaly Detection.</a:t>
+            </a:r>
+            <a:endParaRPr lang="en-IN" dirty="0"/>
+          </a:p>
+        </p:txBody>
+      </p:sp>
+      <p:sp>
+        <p:nvSpPr>
+          <p:cNvPr id="14" name="TextBox 13">
+            <a:extLst>
+              <a:ext uri="{FF2B5EF4-FFF2-40B4-BE49-F238E27FC236}">
+                <a16:creationId xmlns:a16="http://schemas.microsoft.com/office/drawing/2014/main" id="{16F8EEA8-809A-0645-3031-327C0CC1304F}"/>
+              </a:ext>
+            </a:extLst>
+          </p:cNvPr>
+          <p:cNvSpPr txBox="1"/>
+          <p:nvPr/>
+        </p:nvSpPr>
+        <p:spPr>
+          <a:xfrm>
+            <a:off x="5571219" y="4644353"/>
+            <a:ext cx="6094140" cy="646331"/>
+          </a:xfrm>
+          <a:prstGeom prst="rect">
+            <a:avLst/>
+          </a:prstGeom>
+          <a:noFill/>
+        </p:spPr>
+        <p:txBody>
+          <a:bodyPr wrap="square">
+            <a:spAutoFit/>
+          </a:bodyPr>
+          <a:lstStyle/>
+          <a:p>
+            <a:r>
+              <a:rPr lang="en-US" dirty="0"/>
+              <a:t>Buffer Stock Optimization, Explainable AI, Market Intervention Strategies.</a:t>
+            </a:r>
+            <a:endParaRPr lang="en-IN" dirty="0"/>
+          </a:p>
+        </p:txBody>
+      </p:sp>
+      <p:sp>
+        <p:nvSpPr>
+          <p:cNvPr id="15" name="Flowchart: Terminator 14">
+            <a:extLst>
+              <a:ext uri="{FF2B5EF4-FFF2-40B4-BE49-F238E27FC236}">
+                <a16:creationId xmlns:a16="http://schemas.microsoft.com/office/drawing/2014/main" id="{A93C8416-CB74-3032-8A37-26FB078621F4}"/>
+              </a:ext>
+            </a:extLst>
+          </p:cNvPr>
+          <p:cNvSpPr/>
+          <p:nvPr/>
+        </p:nvSpPr>
+        <p:spPr>
+          <a:xfrm>
+            <a:off x="3457207" y="5476436"/>
+            <a:ext cx="2705100" cy="685800"/>
+          </a:xfrm>
+          <a:prstGeom prst="flowChartTerminator">
+            <a:avLst/>
+          </a:prstGeom>
+          <a:solidFill>
+            <a:schemeClr val="accent1">
+              <a:lumMod val="40000"/>
+              <a:lumOff val="60000"/>
+            </a:schemeClr>
+          </a:solidFill>
+          <a:effectLst>
+            <a:softEdge rad="31750"/>
+          </a:effectLst>
+        </p:spPr>
+        <p:style>
+          <a:lnRef idx="2">
+            <a:schemeClr val="accent1">
+              <a:shade val="15000"/>
+            </a:schemeClr>
+          </a:lnRef>
+          <a:fillRef idx="1">
+            <a:schemeClr val="accent1"/>
+          </a:fillRef>
+          <a:effectRef idx="0">
+            <a:schemeClr val="accent1"/>
+          </a:effectRef>
+          <a:fontRef idx="minor">
+            <a:schemeClr val="lt1"/>
+          </a:fontRef>
+        </p:style>
+        <p:txBody>
+          <a:bodyPr rtlCol="0" anchor="ctr"/>
+          <a:lstStyle/>
+          <a:p>
+            <a:pPr algn="ctr"/>
+            <a:endParaRPr lang="en-IN">
+              <a:solidFill>
+                <a:srgbClr val="FF0000"/>
+              </a:solidFill>
+            </a:endParaRPr>
+          </a:p>
+        </p:txBody>
+      </p:sp>
+      <p:sp>
+        <p:nvSpPr>
+          <p:cNvPr id="16" name="TextBox 15">
+            <a:extLst>
+              <a:ext uri="{FF2B5EF4-FFF2-40B4-BE49-F238E27FC236}">
+                <a16:creationId xmlns:a16="http://schemas.microsoft.com/office/drawing/2014/main" id="{9A170803-94B5-2622-9E31-31811FFBADE6}"/>
+              </a:ext>
+            </a:extLst>
+          </p:cNvPr>
+          <p:cNvSpPr txBox="1"/>
+          <p:nvPr/>
+        </p:nvSpPr>
+        <p:spPr>
+          <a:xfrm>
+            <a:off x="3755657" y="5515440"/>
+            <a:ext cx="2108200" cy="646331"/>
+          </a:xfrm>
+          <a:prstGeom prst="rect">
+            <a:avLst/>
+          </a:prstGeom>
+          <a:noFill/>
+        </p:spPr>
+        <p:txBody>
+          <a:bodyPr wrap="square" rtlCol="0">
+            <a:spAutoFit/>
+          </a:bodyPr>
+          <a:lstStyle/>
+          <a:p>
+            <a:pPr algn="ctr"/>
+            <a:r>
+              <a:rPr lang="en-IN" b="1" dirty="0"/>
+              <a:t>Visualization &amp; Deployment</a:t>
+            </a:r>
+          </a:p>
+        </p:txBody>
+      </p:sp>
+      <p:sp>
+        <p:nvSpPr>
+          <p:cNvPr id="3" name="Rectangle 2"/>
+          <p:cNvSpPr/>
+          <p:nvPr/>
+        </p:nvSpPr>
+        <p:spPr>
+          <a:xfrm>
+            <a:off x="6290564" y="5614355"/>
+            <a:ext cx="4169859" cy="369332"/>
+          </a:xfrm>
+          <a:prstGeom prst="rect">
+            <a:avLst/>
+          </a:prstGeom>
+        </p:spPr>
+        <p:txBody>
+          <a:bodyPr wrap="none">
+            <a:spAutoFit/>
+          </a:bodyPr>
+          <a:lstStyle/>
+          <a:p>
+            <a:r>
+              <a:rPr lang="en-US" dirty="0"/>
+              <a:t>Interface Design &amp; Visualization of results </a:t>
+            </a:r>
+            <a:endParaRPr lang="en-IN" dirty="0"/>
+          </a:p>
+        </p:txBody>
+      </p:sp>
+      <p:cxnSp>
+        <p:nvCxnSpPr>
+          <p:cNvPr id="6" name="Connector: Elbow 5">
+            <a:extLst>
+              <a:ext uri="{FF2B5EF4-FFF2-40B4-BE49-F238E27FC236}">
+                <a16:creationId xmlns:a16="http://schemas.microsoft.com/office/drawing/2014/main" id="{1DF66B79-72DA-7D34-237E-3C99D3300C8E}"/>
+              </a:ext>
+            </a:extLst>
+          </p:cNvPr>
+          <p:cNvCxnSpPr>
+            <a:stCxn id="12" idx="2"/>
+          </p:cNvCxnSpPr>
+          <p:nvPr/>
+        </p:nvCxnSpPr>
+        <p:spPr>
+          <a:xfrm rot="5400000">
+            <a:off x="1873035" y="2090132"/>
+            <a:ext cx="146836" cy="4023"/>
+          </a:xfrm>
+          <a:prstGeom prst="bentConnector3">
+            <a:avLst>
+              <a:gd name="adj1" fmla="val -24730"/>
+            </a:avLst>
+          </a:prstGeom>
+          <a:ln>
+            <a:tailEnd type="triangle"/>
+          </a:ln>
+        </p:spPr>
+        <p:style>
+          <a:lnRef idx="1">
+            <a:schemeClr val="accent1"/>
+          </a:lnRef>
+          <a:fillRef idx="0">
+            <a:schemeClr val="accent1"/>
+          </a:fillRef>
+          <a:effectRef idx="0">
+            <a:schemeClr val="accent1"/>
+          </a:effectRef>
+          <a:fontRef idx="minor">
+            <a:schemeClr val="tx1"/>
+          </a:fontRef>
+        </p:style>
+      </p:cxnSp>
+      <p:cxnSp>
+        <p:nvCxnSpPr>
+          <p:cNvPr id="10" name="Connector: Elbow 9">
+            <a:extLst>
+              <a:ext uri="{FF2B5EF4-FFF2-40B4-BE49-F238E27FC236}">
+                <a16:creationId xmlns:a16="http://schemas.microsoft.com/office/drawing/2014/main" id="{6C15F0B4-77EB-9047-A9B3-4C888ABF6A76}"/>
+              </a:ext>
+            </a:extLst>
+          </p:cNvPr>
+          <p:cNvCxnSpPr/>
+          <p:nvPr/>
+        </p:nvCxnSpPr>
+        <p:spPr>
+          <a:xfrm rot="5400000">
+            <a:off x="2399017" y="2930534"/>
+            <a:ext cx="146836" cy="4023"/>
+          </a:xfrm>
+          <a:prstGeom prst="bentConnector3">
+            <a:avLst>
+              <a:gd name="adj1" fmla="val -24730"/>
+            </a:avLst>
+          </a:prstGeom>
+          <a:ln>
+            <a:tailEnd type="triangle"/>
+          </a:ln>
+        </p:spPr>
+        <p:style>
+          <a:lnRef idx="1">
+            <a:schemeClr val="accent1"/>
+          </a:lnRef>
+          <a:fillRef idx="0">
+            <a:schemeClr val="accent1"/>
+          </a:fillRef>
+          <a:effectRef idx="0">
+            <a:schemeClr val="accent1"/>
+          </a:effectRef>
+          <a:fontRef idx="minor">
+            <a:schemeClr val="tx1"/>
+          </a:fontRef>
+        </p:style>
+      </p:cxnSp>
+      <p:cxnSp>
+        <p:nvCxnSpPr>
+          <p:cNvPr id="13" name="Connector: Elbow 12">
+            <a:extLst>
+              <a:ext uri="{FF2B5EF4-FFF2-40B4-BE49-F238E27FC236}">
+                <a16:creationId xmlns:a16="http://schemas.microsoft.com/office/drawing/2014/main" id="{E929823E-E380-850E-C9B0-28BAEECC3209}"/>
+              </a:ext>
+            </a:extLst>
+          </p:cNvPr>
+          <p:cNvCxnSpPr/>
+          <p:nvPr/>
+        </p:nvCxnSpPr>
+        <p:spPr>
+          <a:xfrm rot="5400000">
+            <a:off x="2979863" y="3770936"/>
+            <a:ext cx="146836" cy="4023"/>
+          </a:xfrm>
+          <a:prstGeom prst="bentConnector3">
+            <a:avLst>
+              <a:gd name="adj1" fmla="val -24730"/>
+            </a:avLst>
+          </a:prstGeom>
+          <a:ln>
+            <a:tailEnd type="triangle"/>
+          </a:ln>
+        </p:spPr>
+        <p:style>
+          <a:lnRef idx="1">
+            <a:schemeClr val="accent1"/>
+          </a:lnRef>
+          <a:fillRef idx="0">
+            <a:schemeClr val="accent1"/>
+          </a:fillRef>
+          <a:effectRef idx="0">
+            <a:schemeClr val="accent1"/>
+          </a:effectRef>
+          <a:fontRef idx="minor">
+            <a:schemeClr val="tx1"/>
+          </a:fontRef>
+        </p:style>
+      </p:cxnSp>
+      <p:cxnSp>
+        <p:nvCxnSpPr>
+          <p:cNvPr id="17" name="Connector: Elbow 16">
+            <a:extLst>
+              <a:ext uri="{FF2B5EF4-FFF2-40B4-BE49-F238E27FC236}">
+                <a16:creationId xmlns:a16="http://schemas.microsoft.com/office/drawing/2014/main" id="{3C836760-9740-6A77-E01F-C0A73DE613E8}"/>
+              </a:ext>
+            </a:extLst>
+          </p:cNvPr>
+          <p:cNvCxnSpPr/>
+          <p:nvPr/>
+        </p:nvCxnSpPr>
+        <p:spPr>
+          <a:xfrm rot="5400000">
+            <a:off x="3524133" y="4611338"/>
+            <a:ext cx="146836" cy="4023"/>
+          </a:xfrm>
+          <a:prstGeom prst="bentConnector3">
+            <a:avLst>
+              <a:gd name="adj1" fmla="val -24730"/>
+            </a:avLst>
+          </a:prstGeom>
+          <a:ln>
+            <a:tailEnd type="triangle"/>
+          </a:ln>
+        </p:spPr>
+        <p:style>
+          <a:lnRef idx="1">
+            <a:schemeClr val="accent1"/>
+          </a:lnRef>
+          <a:fillRef idx="0">
+            <a:schemeClr val="accent1"/>
+          </a:fillRef>
+          <a:effectRef idx="0">
+            <a:schemeClr val="accent1"/>
+          </a:effectRef>
+          <a:fontRef idx="minor">
+            <a:schemeClr val="tx1"/>
+          </a:fontRef>
+        </p:style>
+      </p:cxnSp>
+      <p:cxnSp>
+        <p:nvCxnSpPr>
+          <p:cNvPr id="18" name="Connector: Elbow 17">
+            <a:extLst>
+              <a:ext uri="{FF2B5EF4-FFF2-40B4-BE49-F238E27FC236}">
+                <a16:creationId xmlns:a16="http://schemas.microsoft.com/office/drawing/2014/main" id="{E25E2854-87CA-34B1-C057-46D60B83CA91}"/>
+              </a:ext>
+            </a:extLst>
+          </p:cNvPr>
+          <p:cNvCxnSpPr/>
+          <p:nvPr/>
+        </p:nvCxnSpPr>
+        <p:spPr>
+          <a:xfrm rot="5400000">
+            <a:off x="4104979" y="5451740"/>
+            <a:ext cx="146836" cy="4023"/>
+          </a:xfrm>
+          <a:prstGeom prst="bentConnector3">
+            <a:avLst>
+              <a:gd name="adj1" fmla="val -24730"/>
+            </a:avLst>
+          </a:prstGeom>
+          <a:ln>
+            <a:tailEnd type="triangle"/>
+          </a:ln>
+        </p:spPr>
+        <p:style>
+          <a:lnRef idx="1">
+            <a:schemeClr val="accent1"/>
+          </a:lnRef>
+          <a:fillRef idx="0">
+            <a:schemeClr val="accent1"/>
+          </a:fillRef>
+          <a:effectRef idx="0">
+            <a:schemeClr val="accent1"/>
+          </a:effectRef>
+          <a:fontRef idx="minor">
+            <a:schemeClr val="tx1"/>
+          </a:fontRef>
+        </p:style>
+      </p:cxnSp>
+    </p:spTree>
+    <p:extLst>
+      <p:ext uri="{BB962C8B-B14F-4D97-AF65-F5344CB8AC3E}">
+        <p14:creationId xmlns:p14="http://schemas.microsoft.com/office/powerpoint/2010/main" val="3557260021"/>
+      </p:ext>
+    </p:extLst>
+  </p:cSld>
+  <p:clrMapOvr>
+    <a:masterClrMapping/>
+  </p:clrMapOvr>
+</p:sld>
+</file>
+
+<file path=ppt/slides/slide11.xml><?xml version="1.0" encoding="utf-8"?>
+<p:sld xmlns:a="http://schemas.openxmlformats.org/drawingml/2006/main" xmlns:r="http://schemas.openxmlformats.org/officeDocument/2006/relationships" xmlns:p="http://schemas.openxmlformats.org/presentationml/2006/main">
+  <p:cSld>
+    <p:spTree>
+      <p:nvGrpSpPr>
+        <p:cNvPr id="1" name=""/>
+        <p:cNvGrpSpPr/>
+        <p:nvPr/>
+      </p:nvGrpSpPr>
+      <p:grpSpPr>
+        <a:xfrm>
+          <a:off x="0" y="0"/>
+          <a:ext cx="0" cy="0"/>
+          <a:chOff x="0" y="0"/>
+          <a:chExt cx="0" cy="0"/>
+        </a:xfrm>
+      </p:grpSpPr>
+      <p:sp>
+        <p:nvSpPr>
+          <p:cNvPr id="2" name="Title 1"/>
+          <p:cNvSpPr>
+            <a:spLocks noGrp="1"/>
+          </p:cNvSpPr>
+          <p:nvPr>
+            <p:ph type="title"/>
+          </p:nvPr>
+        </p:nvSpPr>
+        <p:spPr>
+          <a:xfrm>
+            <a:off x="596900" y="185836"/>
+            <a:ext cx="10515600" cy="1325563"/>
+          </a:xfrm>
+        </p:spPr>
+        <p:txBody>
+          <a:bodyPr>
+            <a:normAutofit/>
+          </a:bodyPr>
+          <a:lstStyle/>
+          <a:p>
+            <a:r>
+              <a:rPr lang="en-US" sz="3200" b="1" dirty="0">
+                <a:solidFill>
+                  <a:srgbClr val="FF0000"/>
+                </a:solidFill>
+                <a:latin typeface="Times New Roman" pitchFamily="18" charset="0"/>
+                <a:cs typeface="Times New Roman" pitchFamily="18" charset="0"/>
+              </a:rPr>
+              <a:t>Software Requirements</a:t>
+            </a:r>
+            <a:endParaRPr lang="en-IN" sz="3200" b="1" dirty="0">
+              <a:solidFill>
+                <a:srgbClr val="FF0000"/>
+              </a:solidFill>
+              <a:latin typeface="Times New Roman" pitchFamily="18" charset="0"/>
+              <a:cs typeface="Times New Roman" pitchFamily="18" charset="0"/>
+            </a:endParaRPr>
+          </a:p>
+        </p:txBody>
+      </p:sp>
+      <p:sp>
+        <p:nvSpPr>
+          <p:cNvPr id="3" name="Content Placeholder 2"/>
+          <p:cNvSpPr>
+            <a:spLocks noGrp="1"/>
+          </p:cNvSpPr>
+          <p:nvPr>
+            <p:ph idx="1"/>
+          </p:nvPr>
+        </p:nvSpPr>
+        <p:spPr>
+          <a:xfrm>
+            <a:off x="838200" y="1375873"/>
+            <a:ext cx="8429786" cy="4801090"/>
+          </a:xfrm>
+        </p:spPr>
+        <p:txBody>
+          <a:bodyPr>
+            <a:normAutofit/>
+          </a:bodyPr>
+          <a:lstStyle/>
+          <a:p>
+            <a:pPr>
+              <a:buNone/>
+            </a:pPr>
+            <a:endParaRPr lang="en-IN" dirty="0">
+              <a:latin typeface="Times New Roman"/>
+              <a:cs typeface="Times New Roman"/>
+            </a:endParaRPr>
+          </a:p>
+          <a:p>
+            <a:pPr>
+              <a:buNone/>
+            </a:pPr>
+            <a:endParaRPr lang="en-IN" dirty="0">
+              <a:solidFill>
+                <a:srgbClr val="0070C0"/>
+              </a:solidFill>
+            </a:endParaRPr>
+          </a:p>
+        </p:txBody>
+      </p:sp>
+      <p:sp>
+        <p:nvSpPr>
+          <p:cNvPr id="5" name="Slide Number Placeholder 4"/>
+          <p:cNvSpPr>
+            <a:spLocks noGrp="1"/>
+          </p:cNvSpPr>
+          <p:nvPr>
+            <p:ph type="sldNum" sz="quarter" idx="12"/>
+          </p:nvPr>
+        </p:nvSpPr>
+        <p:spPr/>
+        <p:txBody>
+          <a:bodyPr/>
+          <a:lstStyle/>
+          <a:p>
+            <a:fld id="{FFF20539-7144-4945-B20A-62B30D853D34}" type="slidenum">
+              <a:rPr lang="en-IN" smtClean="0"/>
+              <a:pPr/>
+              <a:t>11</a:t>
+            </a:fld>
+            <a:endParaRPr lang="en-IN" dirty="0"/>
+          </a:p>
+        </p:txBody>
+      </p:sp>
+      <p:sp>
+        <p:nvSpPr>
+          <p:cNvPr id="11" name="Rectangle 4"/>
+          <p:cNvSpPr>
+            <a:spLocks noChangeArrowheads="1"/>
+          </p:cNvSpPr>
+          <p:nvPr/>
+        </p:nvSpPr>
+        <p:spPr bwMode="auto">
+          <a:xfrm>
+            <a:off x="982490" y="1646926"/>
+            <a:ext cx="7628109" cy="3903954"/>
+          </a:xfrm>
+          <a:prstGeom prst="rect">
+            <a:avLst/>
+          </a:prstGeom>
+          <a:noFill/>
+          <a:ln>
+            <a:noFill/>
+          </a:ln>
+          <a:effectLst/>
+          <a:extLst>
+            <a:ext uri="{909E8E84-426E-40DD-AFC4-6F175D3DCCD1}">
+              <a14:hiddenFill xmlns:a14="http://schemas.microsoft.com/office/drawing/2010/main">
+                <a:solidFill>
+                  <a:schemeClr val="accent1"/>
+                </a:solidFill>
+              </a14:hiddenFill>
+            </a:ext>
+            <a:ext uri="{91240B29-F687-4F45-9708-019B960494DF}">
+              <a14:hiddenLine xmlns:a14="http://schemas.microsoft.com/office/drawing/2010/main" w="9525">
+                <a:solidFill>
+                  <a:schemeClr val="tx1"/>
+                </a:solidFill>
+                <a:miter lim="800000"/>
+                <a:headEnd/>
+                <a:tailEnd/>
+              </a14:hiddenLine>
+            </a:ext>
+            <a:ext uri="{AF507438-7753-43E0-B8FC-AC1667EBCBE1}">
+              <a14:hiddenEffects xmlns:a14="http://schemas.microsoft.com/office/drawing/2010/main">
+                <a:effectLst>
+                  <a:outerShdw dist="35921" dir="2700000" algn="ctr" rotWithShape="0">
+                    <a:schemeClr val="bg2"/>
+                  </a:outerShdw>
+                </a:effectLst>
+              </a14:hiddenEffects>
+            </a:ext>
+          </a:extLst>
+        </p:spPr>
+        <p:txBody>
+          <a:bodyPr vert="horz" wrap="square" lIns="91440" tIns="45720" rIns="91440" bIns="45720" numCol="1" anchor="ctr" anchorCtr="0" compatLnSpc="1">
+            <a:prstTxWarp prst="textNoShape">
+              <a:avLst/>
+            </a:prstTxWarp>
+            <a:spAutoFit/>
+          </a:bodyPr>
+          <a:lstStyle/>
+          <a:p>
+            <a:pPr marL="342900" lvl="0" indent="-342900" eaLnBrk="0" fontAlgn="base" hangingPunct="0">
+              <a:lnSpc>
+                <a:spcPct val="150000"/>
+              </a:lnSpc>
+              <a:spcBef>
+                <a:spcPct val="0"/>
+              </a:spcBef>
+              <a:spcAft>
+                <a:spcPct val="0"/>
+              </a:spcAft>
+              <a:buFont typeface="Arial" panose="020B0604020202020204" pitchFamily="34" charset="0"/>
+              <a:buChar char="•"/>
+            </a:pPr>
+            <a:r>
+              <a:rPr lang="en-US" altLang="en-US" sz="2400" b="1" dirty="0">
+                <a:latin typeface="Times New Roman" panose="02020603050405020304" pitchFamily="18" charset="0"/>
+                <a:cs typeface="Times New Roman" panose="02020603050405020304" pitchFamily="18" charset="0"/>
+              </a:rPr>
+              <a:t>Operating System</a:t>
+            </a:r>
+            <a:r>
+              <a:rPr lang="en-US" altLang="en-US" sz="2400" dirty="0">
+                <a:latin typeface="Times New Roman" panose="02020603050405020304" pitchFamily="18" charset="0"/>
+                <a:cs typeface="Times New Roman" panose="02020603050405020304" pitchFamily="18" charset="0"/>
+              </a:rPr>
+              <a:t> – Windows 11</a:t>
+            </a:r>
+          </a:p>
+          <a:p>
+            <a:pPr marL="342900" marR="0" lvl="0" indent="-342900" algn="l" defTabSz="914400" rtl="0" eaLnBrk="0" fontAlgn="base" latinLnBrk="0" hangingPunct="0">
+              <a:lnSpc>
+                <a:spcPct val="150000"/>
+              </a:lnSpc>
+              <a:spcBef>
+                <a:spcPct val="0"/>
+              </a:spcBef>
+              <a:spcAft>
+                <a:spcPct val="0"/>
+              </a:spcAft>
+              <a:buClrTx/>
+              <a:buSzTx/>
+              <a:buFont typeface="Arial" panose="020B0604020202020204" pitchFamily="34" charset="0"/>
+              <a:buChar char="•"/>
+              <a:tabLst/>
+            </a:pPr>
+            <a:r>
+              <a:rPr lang="en-IN" sz="2400" b="1" dirty="0">
+                <a:latin typeface="Times New Roman" panose="02020603050405020304" pitchFamily="18" charset="0"/>
+                <a:cs typeface="Times New Roman" panose="02020603050405020304" pitchFamily="18" charset="0"/>
+              </a:rPr>
+              <a:t>Programming Languages:</a:t>
+            </a:r>
+            <a:r>
+              <a:rPr lang="en-IN" sz="2400" dirty="0">
+                <a:latin typeface="Times New Roman" panose="02020603050405020304" pitchFamily="18" charset="0"/>
+                <a:cs typeface="Times New Roman" panose="02020603050405020304" pitchFamily="18" charset="0"/>
+              </a:rPr>
+              <a:t> Python (Pandas, NumPy, </a:t>
+            </a:r>
+            <a:r>
+              <a:rPr lang="en-IN" sz="2400" dirty="0" err="1">
+                <a:latin typeface="Times New Roman" panose="02020603050405020304" pitchFamily="18" charset="0"/>
+                <a:cs typeface="Times New Roman" panose="02020603050405020304" pitchFamily="18" charset="0"/>
+              </a:rPr>
+              <a:t>Sklearn</a:t>
+            </a:r>
+            <a:r>
+              <a:rPr lang="en-IN" sz="2400" dirty="0">
+                <a:latin typeface="Times New Roman" panose="02020603050405020304" pitchFamily="18" charset="0"/>
+                <a:cs typeface="Times New Roman" panose="02020603050405020304" pitchFamily="18" charset="0"/>
+              </a:rPr>
+              <a:t>, TensorFlow/</a:t>
+            </a:r>
+            <a:r>
+              <a:rPr lang="en-IN" sz="2400" dirty="0" err="1">
+                <a:latin typeface="Times New Roman" panose="02020603050405020304" pitchFamily="18" charset="0"/>
+                <a:cs typeface="Times New Roman" panose="02020603050405020304" pitchFamily="18" charset="0"/>
+              </a:rPr>
+              <a:t>PyTorch</a:t>
+            </a:r>
+            <a:r>
+              <a:rPr lang="en-IN" sz="2400" dirty="0">
+                <a:latin typeface="Times New Roman" panose="02020603050405020304" pitchFamily="18" charset="0"/>
+                <a:cs typeface="Times New Roman" panose="02020603050405020304" pitchFamily="18" charset="0"/>
+              </a:rPr>
+              <a:t>), SQL</a:t>
+            </a:r>
+          </a:p>
+          <a:p>
+            <a:pPr marL="342900" marR="0" lvl="0" indent="-342900" algn="l" defTabSz="914400" rtl="0" eaLnBrk="0" fontAlgn="base" latinLnBrk="0" hangingPunct="0">
+              <a:lnSpc>
+                <a:spcPct val="150000"/>
+              </a:lnSpc>
+              <a:spcBef>
+                <a:spcPct val="0"/>
+              </a:spcBef>
+              <a:spcAft>
+                <a:spcPct val="0"/>
+              </a:spcAft>
+              <a:buClrTx/>
+              <a:buSzTx/>
+              <a:buFont typeface="Arial" panose="020B0604020202020204" pitchFamily="34" charset="0"/>
+              <a:buChar char="•"/>
+              <a:tabLst/>
+            </a:pPr>
+            <a:r>
+              <a:rPr lang="en-IN" sz="2400" b="1" dirty="0">
+                <a:latin typeface="Times New Roman" panose="02020603050405020304" pitchFamily="18" charset="0"/>
+                <a:cs typeface="Times New Roman" panose="02020603050405020304" pitchFamily="18" charset="0"/>
+              </a:rPr>
+              <a:t>Data Processing:</a:t>
+            </a:r>
+            <a:r>
+              <a:rPr lang="en-IN" sz="2400" dirty="0">
+                <a:latin typeface="Times New Roman" panose="02020603050405020304" pitchFamily="18" charset="0"/>
+                <a:cs typeface="Times New Roman" panose="02020603050405020304" pitchFamily="18" charset="0"/>
+              </a:rPr>
+              <a:t> MS Excel, Pandas</a:t>
+            </a:r>
+          </a:p>
+          <a:p>
+            <a:pPr marL="342900" marR="0" lvl="0" indent="-342900" algn="l" defTabSz="914400" rtl="0" eaLnBrk="0" fontAlgn="base" latinLnBrk="0" hangingPunct="0">
+              <a:lnSpc>
+                <a:spcPct val="150000"/>
+              </a:lnSpc>
+              <a:spcBef>
+                <a:spcPct val="0"/>
+              </a:spcBef>
+              <a:spcAft>
+                <a:spcPct val="0"/>
+              </a:spcAft>
+              <a:buClrTx/>
+              <a:buSzTx/>
+              <a:buFont typeface="Arial" panose="020B0604020202020204" pitchFamily="34" charset="0"/>
+              <a:buChar char="•"/>
+              <a:tabLst/>
+            </a:pPr>
+            <a:r>
+              <a:rPr lang="en-IN" sz="2400" b="1" dirty="0">
+                <a:latin typeface="Times New Roman" panose="02020603050405020304" pitchFamily="18" charset="0"/>
+                <a:cs typeface="Times New Roman" panose="02020603050405020304" pitchFamily="18" charset="0"/>
+              </a:rPr>
+              <a:t>ML/DL Frameworks:</a:t>
+            </a:r>
+            <a:r>
+              <a:rPr lang="en-IN" sz="2400" dirty="0">
+                <a:latin typeface="Times New Roman" panose="02020603050405020304" pitchFamily="18" charset="0"/>
+                <a:cs typeface="Times New Roman" panose="02020603050405020304" pitchFamily="18" charset="0"/>
+              </a:rPr>
+              <a:t> Scikit-learn, TensorFlow, PyTorch, Statsmodels (for ARIMA)</a:t>
+            </a:r>
+          </a:p>
+          <a:p>
+            <a:pPr marL="342900" marR="0" lvl="0" indent="-342900" algn="l" defTabSz="914400" rtl="0" eaLnBrk="0" fontAlgn="base" latinLnBrk="0" hangingPunct="0">
+              <a:lnSpc>
+                <a:spcPct val="150000"/>
+              </a:lnSpc>
+              <a:spcBef>
+                <a:spcPct val="0"/>
+              </a:spcBef>
+              <a:spcAft>
+                <a:spcPct val="0"/>
+              </a:spcAft>
+              <a:buClrTx/>
+              <a:buSzTx/>
+              <a:buFont typeface="Arial" panose="020B0604020202020204" pitchFamily="34" charset="0"/>
+              <a:buChar char="•"/>
+              <a:tabLst/>
+            </a:pPr>
+            <a:r>
+              <a:rPr lang="en-IN" sz="2400" b="1" dirty="0">
+                <a:latin typeface="Times New Roman" panose="02020603050405020304" pitchFamily="18" charset="0"/>
+                <a:cs typeface="Times New Roman" panose="02020603050405020304" pitchFamily="18" charset="0"/>
+              </a:rPr>
+              <a:t>Database:</a:t>
+            </a:r>
+            <a:r>
+              <a:rPr lang="en-IN" sz="2400" dirty="0">
+                <a:latin typeface="Times New Roman" panose="02020603050405020304" pitchFamily="18" charset="0"/>
+                <a:cs typeface="Times New Roman" panose="02020603050405020304" pitchFamily="18" charset="0"/>
+              </a:rPr>
+              <a:t> MySQL</a:t>
+            </a:r>
+            <a:endParaRPr kumimoji="0" lang="en-US" altLang="en-US" sz="2400" b="0" i="0" u="none" strike="noStrike" cap="none" normalizeH="0" baseline="0" dirty="0">
+              <a:ln>
+                <a:noFill/>
+              </a:ln>
+              <a:solidFill>
+                <a:schemeClr val="tx1"/>
+              </a:solidFill>
+              <a:effectLst/>
+              <a:latin typeface="Times New Roman" panose="02020603050405020304" pitchFamily="18" charset="0"/>
+              <a:cs typeface="Times New Roman" panose="02020603050405020304" pitchFamily="18" charset="0"/>
+            </a:endParaRPr>
+          </a:p>
+        </p:txBody>
+      </p:sp>
+    </p:spTree>
+  </p:cSld>
+  <p:clrMapOvr>
+    <a:masterClrMapping/>
+  </p:clrMapOvr>
+</p:sld>
+</file>
+
+<file path=ppt/slides/slide12.xml><?xml version="1.0" encoding="utf-8"?>
+<p:sld xmlns:a="http://schemas.openxmlformats.org/drawingml/2006/main" xmlns:r="http://schemas.openxmlformats.org/officeDocument/2006/relationships" xmlns:p="http://schemas.openxmlformats.org/presentationml/2006/main">
+  <p:cSld>
+    <p:spTree>
+      <p:nvGrpSpPr>
+        <p:cNvPr id="1" name=""/>
+        <p:cNvGrpSpPr/>
+        <p:nvPr/>
+      </p:nvGrpSpPr>
+      <p:grpSpPr>
+        <a:xfrm>
+          <a:off x="0" y="0"/>
+          <a:ext cx="0" cy="0"/>
+          <a:chOff x="0" y="0"/>
+          <a:chExt cx="0" cy="0"/>
+        </a:xfrm>
+      </p:grpSpPr>
+      <p:sp>
+        <p:nvSpPr>
           <p:cNvPr id="6" name="object 2">
             <a:extLst>
               <a:ext uri="{FF2B5EF4-FFF2-40B4-BE49-F238E27FC236}">
@@ -5688,7 +7133,7 @@
 </p:sld>
 </file>
 
-<file path=ppt/slides/slide11.xml><?xml version="1.0" encoding="utf-8"?>
+<file path=ppt/slides/slide13.xml><?xml version="1.0" encoding="utf-8"?>
 <p:sld xmlns:a="http://schemas.openxmlformats.org/drawingml/2006/main" xmlns:r="http://schemas.openxmlformats.org/officeDocument/2006/relationships" xmlns:p="http://schemas.openxmlformats.org/presentationml/2006/main">
   <p:cSld>
     <p:spTree>
@@ -6183,7 +7628,7 @@
 </p:sld>
 </file>
 
-<file path=ppt/slides/slide12.xml><?xml version="1.0" encoding="utf-8"?>
+<file path=ppt/slides/slide14.xml><?xml version="1.0" encoding="utf-8"?>
 <p:sld xmlns:a="http://schemas.openxmlformats.org/drawingml/2006/main" xmlns:r="http://schemas.openxmlformats.org/officeDocument/2006/relationships" xmlns:p="http://schemas.openxmlformats.org/presentationml/2006/main">
   <p:cSld>
     <p:spTree>
@@ -6279,6 +7724,187 @@
       </p:grpSpPr>
       <p:sp>
         <p:nvSpPr>
+          <p:cNvPr id="2" name="Footer Placeholder 1">
+            <a:extLst>
+              <a:ext uri="{FF2B5EF4-FFF2-40B4-BE49-F238E27FC236}">
+                <a16:creationId xmlns:a16="http://schemas.microsoft.com/office/drawing/2014/main" id="{D2E8AB2D-9CB4-7AB9-52A5-A55D0D761644}"/>
+              </a:ext>
+            </a:extLst>
+          </p:cNvPr>
+          <p:cNvSpPr>
+            <a:spLocks noGrp="1"/>
+          </p:cNvSpPr>
+          <p:nvPr>
+            <p:ph type="ftr" sz="quarter" idx="11"/>
+          </p:nvPr>
+        </p:nvSpPr>
+        <p:spPr/>
+        <p:txBody>
+          <a:bodyPr/>
+          <a:lstStyle/>
+          <a:p>
+            <a:r>
+              <a:rPr lang="en-IN"/>
+              <a:t>Brain Tumor Detection</a:t>
+            </a:r>
+            <a:endParaRPr lang="en-IN" dirty="0"/>
+          </a:p>
+        </p:txBody>
+      </p:sp>
+      <p:sp>
+        <p:nvSpPr>
+          <p:cNvPr id="3" name="Slide Number Placeholder 2">
+            <a:extLst>
+              <a:ext uri="{FF2B5EF4-FFF2-40B4-BE49-F238E27FC236}">
+                <a16:creationId xmlns:a16="http://schemas.microsoft.com/office/drawing/2014/main" id="{E4202109-2ACC-95D3-ADFD-EBE1DF5015AE}"/>
+              </a:ext>
+            </a:extLst>
+          </p:cNvPr>
+          <p:cNvSpPr>
+            <a:spLocks noGrp="1"/>
+          </p:cNvSpPr>
+          <p:nvPr>
+            <p:ph type="sldNum" sz="quarter" idx="12"/>
+          </p:nvPr>
+        </p:nvSpPr>
+        <p:spPr/>
+        <p:txBody>
+          <a:bodyPr/>
+          <a:lstStyle/>
+          <a:p>
+            <a:fld id="{FFF20539-7144-4945-B20A-62B30D853D34}" type="slidenum">
+              <a:rPr lang="en-IN" smtClean="0"/>
+              <a:pPr/>
+              <a:t>2</a:t>
+            </a:fld>
+            <a:endParaRPr lang="en-IN" dirty="0"/>
+          </a:p>
+        </p:txBody>
+      </p:sp>
+      <p:sp>
+        <p:nvSpPr>
+          <p:cNvPr id="5" name="TextBox 4">
+            <a:extLst>
+              <a:ext uri="{FF2B5EF4-FFF2-40B4-BE49-F238E27FC236}">
+                <a16:creationId xmlns:a16="http://schemas.microsoft.com/office/drawing/2014/main" id="{2F420F2C-DB9D-2787-6AEB-201D857EC2DB}"/>
+              </a:ext>
+            </a:extLst>
+          </p:cNvPr>
+          <p:cNvSpPr txBox="1"/>
+          <p:nvPr/>
+        </p:nvSpPr>
+        <p:spPr>
+          <a:xfrm>
+            <a:off x="1959673" y="2932325"/>
+            <a:ext cx="8272653" cy="1077218"/>
+          </a:xfrm>
+          <a:prstGeom prst="rect">
+            <a:avLst/>
+          </a:prstGeom>
+          <a:noFill/>
+        </p:spPr>
+        <p:txBody>
+          <a:bodyPr wrap="square">
+            <a:spAutoFit/>
+          </a:bodyPr>
+          <a:lstStyle/>
+          <a:p>
+            <a:pPr algn="ctr">
+              <a:defRPr/>
+            </a:pPr>
+            <a:r>
+              <a:rPr lang="en-US" sz="3200" dirty="0">
+                <a:latin typeface="Times New Roman" pitchFamily="18" charset="0"/>
+                <a:cs typeface="Times New Roman" pitchFamily="18" charset="0"/>
+              </a:rPr>
+              <a:t>AI Based Model for Predicting Agri-horticultural Commodities</a:t>
+            </a:r>
+          </a:p>
+        </p:txBody>
+      </p:sp>
+      <p:sp>
+        <p:nvSpPr>
+          <p:cNvPr id="7" name="TextBox 6">
+            <a:extLst>
+              <a:ext uri="{FF2B5EF4-FFF2-40B4-BE49-F238E27FC236}">
+                <a16:creationId xmlns:a16="http://schemas.microsoft.com/office/drawing/2014/main" id="{C36AC4C3-A7A5-9A77-A792-B4799CB90802}"/>
+              </a:ext>
+            </a:extLst>
+          </p:cNvPr>
+          <p:cNvSpPr txBox="1"/>
+          <p:nvPr/>
+        </p:nvSpPr>
+        <p:spPr>
+          <a:xfrm>
+            <a:off x="3048762" y="2204151"/>
+            <a:ext cx="6094476" cy="523220"/>
+          </a:xfrm>
+          <a:prstGeom prst="rect">
+            <a:avLst/>
+          </a:prstGeom>
+          <a:noFill/>
+        </p:spPr>
+        <p:txBody>
+          <a:bodyPr wrap="square">
+            <a:spAutoFit/>
+          </a:bodyPr>
+          <a:lstStyle/>
+          <a:p>
+            <a:pPr algn="ctr">
+              <a:defRPr/>
+            </a:pPr>
+            <a:r>
+              <a:rPr lang="en-IN" sz="2800" dirty="0">
+                <a:solidFill>
+                  <a:srgbClr val="FF0000"/>
+                </a:solidFill>
+                <a:latin typeface="Times New Roman" pitchFamily="18" charset="0"/>
+                <a:cs typeface="Times New Roman" pitchFamily="18" charset="0"/>
+              </a:rPr>
+              <a:t>Title</a:t>
+            </a:r>
+            <a:endParaRPr lang="en-US" sz="2800" dirty="0">
+              <a:solidFill>
+                <a:srgbClr val="FF0000"/>
+              </a:solidFill>
+              <a:latin typeface="Times New Roman" pitchFamily="18" charset="0"/>
+              <a:cs typeface="Times New Roman" pitchFamily="18" charset="0"/>
+            </a:endParaRPr>
+          </a:p>
+        </p:txBody>
+      </p:sp>
+    </p:spTree>
+    <p:extLst>
+      <p:ext uri="{BB962C8B-B14F-4D97-AF65-F5344CB8AC3E}">
+        <p14:creationId xmlns:p14="http://schemas.microsoft.com/office/powerpoint/2010/main" val="3677345257"/>
+      </p:ext>
+    </p:extLst>
+  </p:cSld>
+  <p:clrMapOvr>
+    <a:masterClrMapping/>
+  </p:clrMapOvr>
+</p:sld>
+</file>
+
+<file path=ppt/slides/slide3.xml><?xml version="1.0" encoding="utf-8"?>
+<p:sld xmlns:a="http://schemas.openxmlformats.org/drawingml/2006/main" xmlns:r="http://schemas.openxmlformats.org/officeDocument/2006/relationships" xmlns:p="http://schemas.openxmlformats.org/presentationml/2006/main">
+  <p:cSld>
+    <p:spTree>
+      <p:nvGrpSpPr>
+        <p:cNvPr id="1" name=""/>
+        <p:cNvGrpSpPr/>
+        <p:nvPr/>
+      </p:nvGrpSpPr>
+      <p:grpSpPr>
+        <a:xfrm>
+          <a:off x="0" y="0"/>
+          <a:ext cx="0" cy="0"/>
+          <a:chOff x="0" y="0"/>
+          <a:chExt cx="0" cy="0"/>
+        </a:xfrm>
+      </p:grpSpPr>
+      <p:sp>
+        <p:nvSpPr>
           <p:cNvPr id="5" name="object 2">
             <a:extLst>
               <a:ext uri="{FF2B5EF4-FFF2-40B4-BE49-F238E27FC236}">
@@ -6701,7 +8327,7 @@
             <a:fld id="{FFF20539-7144-4945-B20A-62B30D853D34}" type="slidenum">
               <a:rPr lang="en-IN" smtClean="0"/>
               <a:pPr/>
-              <a:t>2</a:t>
+              <a:t>3</a:t>
             </a:fld>
             <a:endParaRPr lang="en-IN" dirty="0"/>
           </a:p>
@@ -6720,7 +8346,7 @@
 </p:sld>
 </file>
 
-<file path=ppt/slides/slide3.xml><?xml version="1.0" encoding="utf-8"?>
+<file path=ppt/slides/slide4.xml><?xml version="1.0" encoding="utf-8"?>
 <p:sld xmlns:a="http://schemas.openxmlformats.org/drawingml/2006/main" xmlns:r="http://schemas.openxmlformats.org/officeDocument/2006/relationships" xmlns:p="http://schemas.openxmlformats.org/presentationml/2006/main">
   <p:cSld>
     <p:spTree>
@@ -6830,7 +8456,7 @@
                 <a:latin typeface="Times New Roman" panose="02020603050405020304" pitchFamily="18" charset="0"/>
                 <a:cs typeface="Times New Roman" panose="02020603050405020304" pitchFamily="18" charset="0"/>
               </a:rPr>
-              <a:t>Agricultural commodity prices are highly volatile and because of this, traditional forecasting models often fail to provide accurate predictions, leading to inefficient buffer stock management and ineffective market interventions. This project leverages deep learning to develop a robust price prediction model that enhances forecasting accuracy while supporting strategic decision-making. By integrating AI-driven real-time data analysis, the solution aims to improve price stability, optimize government interventions, and reduce economic uncertainty in the agricultural sector.</a:t>
+              <a:t>	Agricultural commodity prices are highly volatile and because of this, traditional forecasting models often fail to provide accurate predictions, leading to inefficient buffer stock management and ineffective market interventions. This project leverages deep learning to develop a robust price prediction model that enhances forecasting accuracy while supporting strategic decision-making. By integrating AI-driven real-time data analysis, the solution aims to improve price stability, optimize government interventions, and reduce economic uncertainty in the agricultural sector.</a:t>
             </a:r>
           </a:p>
         </p:txBody>
@@ -6880,246 +8506,6 @@
     <p:extLst>
       <p:ext uri="{BB962C8B-B14F-4D97-AF65-F5344CB8AC3E}">
         <p14:creationId xmlns:p14="http://schemas.microsoft.com/office/powerpoint/2010/main" val="39124491"/>
-      </p:ext>
-    </p:extLst>
-  </p:cSld>
-  <p:clrMapOvr>
-    <a:masterClrMapping/>
-  </p:clrMapOvr>
-</p:sld>
-</file>
-
-<file path=ppt/slides/slide4.xml><?xml version="1.0" encoding="utf-8"?>
-<p:sld xmlns:a="http://schemas.openxmlformats.org/drawingml/2006/main" xmlns:r="http://schemas.openxmlformats.org/officeDocument/2006/relationships" xmlns:p="http://schemas.openxmlformats.org/presentationml/2006/main">
-  <p:cSld>
-    <p:spTree>
-      <p:nvGrpSpPr>
-        <p:cNvPr id="1" name=""/>
-        <p:cNvGrpSpPr/>
-        <p:nvPr/>
-      </p:nvGrpSpPr>
-      <p:grpSpPr>
-        <a:xfrm>
-          <a:off x="0" y="0"/>
-          <a:ext cx="0" cy="0"/>
-          <a:chOff x="0" y="0"/>
-          <a:chExt cx="0" cy="0"/>
-        </a:xfrm>
-      </p:grpSpPr>
-      <p:sp>
-        <p:nvSpPr>
-          <p:cNvPr id="16" name="Title 10">
-            <a:extLst>
-              <a:ext uri="{FF2B5EF4-FFF2-40B4-BE49-F238E27FC236}">
-                <a16:creationId xmlns:a16="http://schemas.microsoft.com/office/drawing/2014/main" id="{A1B29FE0-0C10-A1F5-80FE-21AA886CCA9D}"/>
-              </a:ext>
-            </a:extLst>
-          </p:cNvPr>
-          <p:cNvSpPr>
-            <a:spLocks noGrp="1"/>
-          </p:cNvSpPr>
-          <p:nvPr>
-            <p:ph type="title"/>
-          </p:nvPr>
-        </p:nvSpPr>
-        <p:spPr>
-          <a:xfrm>
-            <a:off x="698500" y="428625"/>
-            <a:ext cx="10575415" cy="981075"/>
-          </a:xfrm>
-        </p:spPr>
-        <p:txBody>
-          <a:bodyPr>
-            <a:normAutofit/>
-          </a:bodyPr>
-          <a:lstStyle/>
-          <a:p>
-            <a:r>
-              <a:rPr lang="en-US" sz="3200" b="1" dirty="0">
-                <a:solidFill>
-                  <a:srgbClr val="FF0000"/>
-                </a:solidFill>
-                <a:latin typeface="Times New Roman" panose="02020603050405020304" pitchFamily="18" charset="0"/>
-                <a:cs typeface="Times New Roman" panose="02020603050405020304" pitchFamily="18" charset="0"/>
-              </a:rPr>
-              <a:t>Literatures Identified and Findings</a:t>
-            </a:r>
-            <a:endParaRPr lang="en-IN" sz="3200" dirty="0">
-              <a:solidFill>
-                <a:srgbClr val="FF0000"/>
-              </a:solidFill>
-            </a:endParaRPr>
-          </a:p>
-        </p:txBody>
-      </p:sp>
-      <p:sp>
-        <p:nvSpPr>
-          <p:cNvPr id="17" name="TextBox 16">
-            <a:extLst>
-              <a:ext uri="{FF2B5EF4-FFF2-40B4-BE49-F238E27FC236}">
-                <a16:creationId xmlns:a16="http://schemas.microsoft.com/office/drawing/2014/main" id="{4C0A241C-C18B-AD87-BF63-E0CA3A9919CB}"/>
-              </a:ext>
-            </a:extLst>
-          </p:cNvPr>
-          <p:cNvSpPr txBox="1"/>
-          <p:nvPr/>
-        </p:nvSpPr>
-        <p:spPr>
-          <a:xfrm>
-            <a:off x="584200" y="1690688"/>
-            <a:ext cx="10947400" cy="4093428"/>
-          </a:xfrm>
-          <a:prstGeom prst="rect">
-            <a:avLst/>
-          </a:prstGeom>
-          <a:noFill/>
-        </p:spPr>
-        <p:txBody>
-          <a:bodyPr wrap="square">
-            <a:spAutoFit/>
-          </a:bodyPr>
-          <a:lstStyle/>
-          <a:p>
-            <a:pPr algn="ctr"/>
-            <a:r>
-              <a:rPr lang="en-US" sz="2000" b="1" dirty="0">
-                <a:latin typeface="Times New Roman" panose="02020603050405020304" pitchFamily="18" charset="0"/>
-                <a:cs typeface="Times New Roman" panose="02020603050405020304" pitchFamily="18" charset="0"/>
-              </a:rPr>
-              <a:t>"Forecasting Agricultural Commodity Prices Using Model Selection Framework With Time Series Features and Forecast Horizons" (2020) </a:t>
-            </a:r>
-            <a:r>
-              <a:rPr lang="en-US" sz="2000" b="1" dirty="0" err="1">
-                <a:latin typeface="Times New Roman" panose="02020603050405020304" pitchFamily="18" charset="0"/>
-                <a:cs typeface="Times New Roman" panose="02020603050405020304" pitchFamily="18" charset="0"/>
-              </a:rPr>
-              <a:t>Dabin</a:t>
-            </a:r>
-            <a:r>
-              <a:rPr lang="en-US" sz="2000" b="1" dirty="0">
-                <a:latin typeface="Times New Roman" panose="02020603050405020304" pitchFamily="18" charset="0"/>
-                <a:cs typeface="Times New Roman" panose="02020603050405020304" pitchFamily="18" charset="0"/>
-              </a:rPr>
-              <a:t> Zhang, </a:t>
-            </a:r>
-            <a:r>
-              <a:rPr lang="en-US" sz="2000" b="1" dirty="0" err="1">
-                <a:latin typeface="Times New Roman" panose="02020603050405020304" pitchFamily="18" charset="0"/>
-                <a:cs typeface="Times New Roman" panose="02020603050405020304" pitchFamily="18" charset="0"/>
-              </a:rPr>
-              <a:t>Shanying</a:t>
-            </a:r>
-            <a:r>
-              <a:rPr lang="en-US" sz="2000" b="1" dirty="0">
-                <a:latin typeface="Times New Roman" panose="02020603050405020304" pitchFamily="18" charset="0"/>
-                <a:cs typeface="Times New Roman" panose="02020603050405020304" pitchFamily="18" charset="0"/>
-              </a:rPr>
-              <a:t> Chen, </a:t>
-            </a:r>
-            <a:r>
-              <a:rPr lang="en-US" sz="2000" b="1" dirty="0" err="1">
-                <a:latin typeface="Times New Roman" panose="02020603050405020304" pitchFamily="18" charset="0"/>
-                <a:cs typeface="Times New Roman" panose="02020603050405020304" pitchFamily="18" charset="0"/>
-              </a:rPr>
-              <a:t>Liwen</a:t>
-            </a:r>
-            <a:r>
-              <a:rPr lang="en-US" sz="2000" b="1" dirty="0">
-                <a:latin typeface="Times New Roman" panose="02020603050405020304" pitchFamily="18" charset="0"/>
-                <a:cs typeface="Times New Roman" panose="02020603050405020304" pitchFamily="18" charset="0"/>
-              </a:rPr>
-              <a:t> Ling, Qiang Xia</a:t>
-            </a:r>
-          </a:p>
-          <a:p>
-            <a:endParaRPr lang="en-US" sz="2000" dirty="0">
-              <a:latin typeface="Times New Roman" panose="02020603050405020304" pitchFamily="18" charset="0"/>
-              <a:cs typeface="Times New Roman" panose="02020603050405020304" pitchFamily="18" charset="0"/>
-            </a:endParaRPr>
-          </a:p>
-          <a:p>
-            <a:pPr marL="342900" indent="-342900" algn="just">
-              <a:buFont typeface="Arial" panose="020B0604020202020204" pitchFamily="34" charset="0"/>
-              <a:buChar char="•"/>
-            </a:pPr>
-            <a:r>
-              <a:rPr lang="en-US" sz="2000" b="1" dirty="0">
-                <a:latin typeface="Times New Roman" panose="02020603050405020304" pitchFamily="18" charset="0"/>
-                <a:cs typeface="Times New Roman" panose="02020603050405020304" pitchFamily="18" charset="0"/>
-              </a:rPr>
-              <a:t>Model Selection Framework:</a:t>
-            </a:r>
-            <a:r>
-              <a:rPr lang="en-US" sz="2000" dirty="0">
-                <a:latin typeface="Times New Roman" panose="02020603050405020304" pitchFamily="18" charset="0"/>
-                <a:cs typeface="Times New Roman" panose="02020603050405020304" pitchFamily="18" charset="0"/>
-              </a:rPr>
-              <a:t> The study introduces a novel framework that selects the optimal forecasting model based on specific time series features and forecast horizons. This approach tailors the model choice to the unique characteristics of the data and the desired prediction timeframe, enhancing forecasting accuracy. </a:t>
-            </a:r>
-            <a:r>
-              <a:rPr lang="en-US" sz="2000" dirty="0">
-                <a:latin typeface="Times New Roman" panose="02020603050405020304" pitchFamily="18" charset="0"/>
-                <a:cs typeface="Times New Roman" panose="02020603050405020304" pitchFamily="18" charset="0"/>
-                <a:hlinkClick r:id="rId2"/>
-              </a:rPr>
-              <a:t>IEEE Xplore</a:t>
-            </a:r>
-            <a:endParaRPr lang="en-US" sz="2000" dirty="0">
-              <a:latin typeface="Times New Roman" panose="02020603050405020304" pitchFamily="18" charset="0"/>
-              <a:cs typeface="Times New Roman" panose="02020603050405020304" pitchFamily="18" charset="0"/>
-            </a:endParaRPr>
-          </a:p>
-          <a:p>
-            <a:pPr marL="342900" indent="-342900" algn="just">
-              <a:buFont typeface="Arial" panose="020B0604020202020204" pitchFamily="34" charset="0"/>
-              <a:buChar char="•"/>
-            </a:pPr>
-            <a:r>
-              <a:rPr lang="en-US" sz="2000" b="1" dirty="0">
-                <a:latin typeface="Times New Roman" panose="02020603050405020304" pitchFamily="18" charset="0"/>
-                <a:cs typeface="Times New Roman" panose="02020603050405020304" pitchFamily="18" charset="0"/>
-              </a:rPr>
-              <a:t>Feature Reduction with MRMR:</a:t>
-            </a:r>
-            <a:r>
-              <a:rPr lang="en-US" sz="2000" dirty="0">
-                <a:latin typeface="Times New Roman" panose="02020603050405020304" pitchFamily="18" charset="0"/>
-                <a:cs typeface="Times New Roman" panose="02020603050405020304" pitchFamily="18" charset="0"/>
-              </a:rPr>
-              <a:t> The research employs the Minimum Redundancy Maximum Relevance (MRMR) method to reduce feature redundancy. This technique selects the most informative features, improving the performance of the forecasting models by eliminating irrelevant or redundant data. </a:t>
-            </a:r>
-            <a:r>
-              <a:rPr lang="en-US" sz="2000" dirty="0">
-                <a:latin typeface="Times New Roman" panose="02020603050405020304" pitchFamily="18" charset="0"/>
-                <a:cs typeface="Times New Roman" panose="02020603050405020304" pitchFamily="18" charset="0"/>
-                <a:hlinkClick r:id="rId2"/>
-              </a:rPr>
-              <a:t>IEEE Xplore</a:t>
-            </a:r>
-            <a:endParaRPr lang="en-US" sz="2000" dirty="0">
-              <a:latin typeface="Times New Roman" panose="02020603050405020304" pitchFamily="18" charset="0"/>
-              <a:cs typeface="Times New Roman" panose="02020603050405020304" pitchFamily="18" charset="0"/>
-            </a:endParaRPr>
-          </a:p>
-          <a:p>
-            <a:pPr marL="342900" indent="-342900" algn="just">
-              <a:buFont typeface="Arial" panose="020B0604020202020204" pitchFamily="34" charset="0"/>
-              <a:buChar char="•"/>
-            </a:pPr>
-            <a:r>
-              <a:rPr lang="en-US" sz="2000" dirty="0">
-                <a:latin typeface="Times New Roman" panose="02020603050405020304" pitchFamily="18" charset="0"/>
-                <a:cs typeface="Times New Roman" panose="02020603050405020304" pitchFamily="18" charset="0"/>
-              </a:rPr>
-              <a:t>Integrating these insights can enhance the precision of commodity price predictions by ensuring that the most suitable models and features are utilized for each forecasting scenario.</a:t>
-            </a:r>
-          </a:p>
-        </p:txBody>
-      </p:sp>
-    </p:spTree>
-    <p:extLst>
-      <p:ext uri="{BB962C8B-B14F-4D97-AF65-F5344CB8AC3E}">
-        <p14:creationId xmlns:p14="http://schemas.microsoft.com/office/powerpoint/2010/main" val="790080475"/>
       </p:ext>
     </p:extLst>
   </p:cSld>
@@ -7148,6 +8534,246 @@
       </p:grpSpPr>
       <p:sp>
         <p:nvSpPr>
+          <p:cNvPr id="16" name="Title 10">
+            <a:extLst>
+              <a:ext uri="{FF2B5EF4-FFF2-40B4-BE49-F238E27FC236}">
+                <a16:creationId xmlns:a16="http://schemas.microsoft.com/office/drawing/2014/main" id="{A1B29FE0-0C10-A1F5-80FE-21AA886CCA9D}"/>
+              </a:ext>
+            </a:extLst>
+          </p:cNvPr>
+          <p:cNvSpPr>
+            <a:spLocks noGrp="1"/>
+          </p:cNvSpPr>
+          <p:nvPr>
+            <p:ph type="title"/>
+          </p:nvPr>
+        </p:nvSpPr>
+        <p:spPr>
+          <a:xfrm>
+            <a:off x="698500" y="428625"/>
+            <a:ext cx="10575415" cy="981075"/>
+          </a:xfrm>
+        </p:spPr>
+        <p:txBody>
+          <a:bodyPr>
+            <a:normAutofit/>
+          </a:bodyPr>
+          <a:lstStyle/>
+          <a:p>
+            <a:r>
+              <a:rPr lang="en-US" sz="3200" b="1" dirty="0">
+                <a:solidFill>
+                  <a:srgbClr val="FF0000"/>
+                </a:solidFill>
+                <a:latin typeface="Times New Roman" panose="02020603050405020304" pitchFamily="18" charset="0"/>
+                <a:cs typeface="Times New Roman" panose="02020603050405020304" pitchFamily="18" charset="0"/>
+              </a:rPr>
+              <a:t>Literatures Identified and Findings</a:t>
+            </a:r>
+            <a:endParaRPr lang="en-IN" sz="3200" dirty="0">
+              <a:solidFill>
+                <a:srgbClr val="FF0000"/>
+              </a:solidFill>
+            </a:endParaRPr>
+          </a:p>
+        </p:txBody>
+      </p:sp>
+      <p:sp>
+        <p:nvSpPr>
+          <p:cNvPr id="17" name="TextBox 16">
+            <a:extLst>
+              <a:ext uri="{FF2B5EF4-FFF2-40B4-BE49-F238E27FC236}">
+                <a16:creationId xmlns:a16="http://schemas.microsoft.com/office/drawing/2014/main" id="{4C0A241C-C18B-AD87-BF63-E0CA3A9919CB}"/>
+              </a:ext>
+            </a:extLst>
+          </p:cNvPr>
+          <p:cNvSpPr txBox="1"/>
+          <p:nvPr/>
+        </p:nvSpPr>
+        <p:spPr>
+          <a:xfrm>
+            <a:off x="584200" y="1690688"/>
+            <a:ext cx="10947400" cy="4093428"/>
+          </a:xfrm>
+          <a:prstGeom prst="rect">
+            <a:avLst/>
+          </a:prstGeom>
+          <a:noFill/>
+        </p:spPr>
+        <p:txBody>
+          <a:bodyPr wrap="square">
+            <a:spAutoFit/>
+          </a:bodyPr>
+          <a:lstStyle/>
+          <a:p>
+            <a:pPr algn="ctr"/>
+            <a:r>
+              <a:rPr lang="en-US" sz="2000" b="1" dirty="0">
+                <a:latin typeface="Times New Roman" panose="02020603050405020304" pitchFamily="18" charset="0"/>
+                <a:cs typeface="Times New Roman" panose="02020603050405020304" pitchFamily="18" charset="0"/>
+              </a:rPr>
+              <a:t>"Forecasting Agricultural Commodity Prices Using Model Selection Framework With Time Series Features and Forecast Horizons" (2020) </a:t>
+            </a:r>
+            <a:r>
+              <a:rPr lang="en-US" sz="2000" b="1" dirty="0" err="1">
+                <a:latin typeface="Times New Roman" panose="02020603050405020304" pitchFamily="18" charset="0"/>
+                <a:cs typeface="Times New Roman" panose="02020603050405020304" pitchFamily="18" charset="0"/>
+              </a:rPr>
+              <a:t>Dabin</a:t>
+            </a:r>
+            <a:r>
+              <a:rPr lang="en-US" sz="2000" b="1" dirty="0">
+                <a:latin typeface="Times New Roman" panose="02020603050405020304" pitchFamily="18" charset="0"/>
+                <a:cs typeface="Times New Roman" panose="02020603050405020304" pitchFamily="18" charset="0"/>
+              </a:rPr>
+              <a:t> Zhang, </a:t>
+            </a:r>
+            <a:r>
+              <a:rPr lang="en-US" sz="2000" b="1" dirty="0" err="1">
+                <a:latin typeface="Times New Roman" panose="02020603050405020304" pitchFamily="18" charset="0"/>
+                <a:cs typeface="Times New Roman" panose="02020603050405020304" pitchFamily="18" charset="0"/>
+              </a:rPr>
+              <a:t>Shanying</a:t>
+            </a:r>
+            <a:r>
+              <a:rPr lang="en-US" sz="2000" b="1" dirty="0">
+                <a:latin typeface="Times New Roman" panose="02020603050405020304" pitchFamily="18" charset="0"/>
+                <a:cs typeface="Times New Roman" panose="02020603050405020304" pitchFamily="18" charset="0"/>
+              </a:rPr>
+              <a:t> Chen, </a:t>
+            </a:r>
+            <a:r>
+              <a:rPr lang="en-US" sz="2000" b="1" dirty="0" err="1">
+                <a:latin typeface="Times New Roman" panose="02020603050405020304" pitchFamily="18" charset="0"/>
+                <a:cs typeface="Times New Roman" panose="02020603050405020304" pitchFamily="18" charset="0"/>
+              </a:rPr>
+              <a:t>Liwen</a:t>
+            </a:r>
+            <a:r>
+              <a:rPr lang="en-US" sz="2000" b="1" dirty="0">
+                <a:latin typeface="Times New Roman" panose="02020603050405020304" pitchFamily="18" charset="0"/>
+                <a:cs typeface="Times New Roman" panose="02020603050405020304" pitchFamily="18" charset="0"/>
+              </a:rPr>
+              <a:t> Ling, Qiang Xia</a:t>
+            </a:r>
+          </a:p>
+          <a:p>
+            <a:endParaRPr lang="en-US" sz="2000" dirty="0">
+              <a:latin typeface="Times New Roman" panose="02020603050405020304" pitchFamily="18" charset="0"/>
+              <a:cs typeface="Times New Roman" panose="02020603050405020304" pitchFamily="18" charset="0"/>
+            </a:endParaRPr>
+          </a:p>
+          <a:p>
+            <a:pPr marL="342900" indent="-342900" algn="just">
+              <a:buFont typeface="Arial" panose="020B0604020202020204" pitchFamily="34" charset="0"/>
+              <a:buChar char="•"/>
+            </a:pPr>
+            <a:r>
+              <a:rPr lang="en-US" sz="2000" b="1" dirty="0">
+                <a:latin typeface="Times New Roman" panose="02020603050405020304" pitchFamily="18" charset="0"/>
+                <a:cs typeface="Times New Roman" panose="02020603050405020304" pitchFamily="18" charset="0"/>
+              </a:rPr>
+              <a:t>Model Selection Framework:</a:t>
+            </a:r>
+            <a:r>
+              <a:rPr lang="en-US" sz="2000" dirty="0">
+                <a:latin typeface="Times New Roman" panose="02020603050405020304" pitchFamily="18" charset="0"/>
+                <a:cs typeface="Times New Roman" panose="02020603050405020304" pitchFamily="18" charset="0"/>
+              </a:rPr>
+              <a:t> The study introduces a novel framework that selects the optimal forecasting model based on specific time series features and forecast horizons. This approach tailors the model choice to the unique characteristics of the data and the desired prediction timeframe, enhancing forecasting accuracy. </a:t>
+            </a:r>
+            <a:r>
+              <a:rPr lang="en-US" sz="2000" dirty="0">
+                <a:latin typeface="Times New Roman" panose="02020603050405020304" pitchFamily="18" charset="0"/>
+                <a:cs typeface="Times New Roman" panose="02020603050405020304" pitchFamily="18" charset="0"/>
+                <a:hlinkClick r:id="rId2"/>
+              </a:rPr>
+              <a:t>IEEE Xplore</a:t>
+            </a:r>
+            <a:endParaRPr lang="en-US" sz="2000" dirty="0">
+              <a:latin typeface="Times New Roman" panose="02020603050405020304" pitchFamily="18" charset="0"/>
+              <a:cs typeface="Times New Roman" panose="02020603050405020304" pitchFamily="18" charset="0"/>
+            </a:endParaRPr>
+          </a:p>
+          <a:p>
+            <a:pPr marL="342900" indent="-342900" algn="just">
+              <a:buFont typeface="Arial" panose="020B0604020202020204" pitchFamily="34" charset="0"/>
+              <a:buChar char="•"/>
+            </a:pPr>
+            <a:r>
+              <a:rPr lang="en-US" sz="2000" b="1" dirty="0">
+                <a:latin typeface="Times New Roman" panose="02020603050405020304" pitchFamily="18" charset="0"/>
+                <a:cs typeface="Times New Roman" panose="02020603050405020304" pitchFamily="18" charset="0"/>
+              </a:rPr>
+              <a:t>Feature Reduction with MRMR:</a:t>
+            </a:r>
+            <a:r>
+              <a:rPr lang="en-US" sz="2000" dirty="0">
+                <a:latin typeface="Times New Roman" panose="02020603050405020304" pitchFamily="18" charset="0"/>
+                <a:cs typeface="Times New Roman" panose="02020603050405020304" pitchFamily="18" charset="0"/>
+              </a:rPr>
+              <a:t> The research employs the Minimum Redundancy Maximum Relevance (MRMR) method to reduce feature redundancy. This technique selects the most informative features, improving the performance of the forecasting models by eliminating irrelevant or redundant data. </a:t>
+            </a:r>
+            <a:r>
+              <a:rPr lang="en-US" sz="2000" dirty="0">
+                <a:latin typeface="Times New Roman" panose="02020603050405020304" pitchFamily="18" charset="0"/>
+                <a:cs typeface="Times New Roman" panose="02020603050405020304" pitchFamily="18" charset="0"/>
+                <a:hlinkClick r:id="rId2"/>
+              </a:rPr>
+              <a:t>IEEE Xplore</a:t>
+            </a:r>
+            <a:endParaRPr lang="en-US" sz="2000" dirty="0">
+              <a:latin typeface="Times New Roman" panose="02020603050405020304" pitchFamily="18" charset="0"/>
+              <a:cs typeface="Times New Roman" panose="02020603050405020304" pitchFamily="18" charset="0"/>
+            </a:endParaRPr>
+          </a:p>
+          <a:p>
+            <a:pPr marL="342900" indent="-342900" algn="just">
+              <a:buFont typeface="Arial" panose="020B0604020202020204" pitchFamily="34" charset="0"/>
+              <a:buChar char="•"/>
+            </a:pPr>
+            <a:r>
+              <a:rPr lang="en-US" sz="2000" dirty="0">
+                <a:latin typeface="Times New Roman" panose="02020603050405020304" pitchFamily="18" charset="0"/>
+                <a:cs typeface="Times New Roman" panose="02020603050405020304" pitchFamily="18" charset="0"/>
+              </a:rPr>
+              <a:t>Integrating these insights can enhance the precision of commodity price predictions by ensuring that the most suitable models and features are utilized for each forecasting scenario.</a:t>
+            </a:r>
+          </a:p>
+        </p:txBody>
+      </p:sp>
+    </p:spTree>
+    <p:extLst>
+      <p:ext uri="{BB962C8B-B14F-4D97-AF65-F5344CB8AC3E}">
+        <p14:creationId xmlns:p14="http://schemas.microsoft.com/office/powerpoint/2010/main" val="790080475"/>
+      </p:ext>
+    </p:extLst>
+  </p:cSld>
+  <p:clrMapOvr>
+    <a:masterClrMapping/>
+  </p:clrMapOvr>
+</p:sld>
+</file>
+
+<file path=ppt/slides/slide6.xml><?xml version="1.0" encoding="utf-8"?>
+<p:sld xmlns:a="http://schemas.openxmlformats.org/drawingml/2006/main" xmlns:r="http://schemas.openxmlformats.org/officeDocument/2006/relationships" xmlns:p="http://schemas.openxmlformats.org/presentationml/2006/main">
+  <p:cSld>
+    <p:spTree>
+      <p:nvGrpSpPr>
+        <p:cNvPr id="1" name=""/>
+        <p:cNvGrpSpPr/>
+        <p:nvPr/>
+      </p:nvGrpSpPr>
+      <p:grpSpPr>
+        <a:xfrm>
+          <a:off x="0" y="0"/>
+          <a:ext cx="0" cy="0"/>
+          <a:chOff x="0" y="0"/>
+          <a:chExt cx="0" cy="0"/>
+        </a:xfrm>
+      </p:grpSpPr>
+      <p:sp>
+        <p:nvSpPr>
           <p:cNvPr id="7" name="Title 6">
             <a:extLst>
               <a:ext uri="{FF2B5EF4-FFF2-40B4-BE49-F238E27FC236}">
@@ -7421,7 +9047,7 @@
 </p:sld>
 </file>
 
-<file path=ppt/slides/slide6.xml><?xml version="1.0" encoding="utf-8"?>
+<file path=ppt/slides/slide7.xml><?xml version="1.0" encoding="utf-8"?>
 <p:sld xmlns:a="http://schemas.openxmlformats.org/drawingml/2006/main" xmlns:r="http://schemas.openxmlformats.org/officeDocument/2006/relationships" xmlns:p="http://schemas.openxmlformats.org/presentationml/2006/main">
   <p:cSld>
     <p:spTree>
@@ -7671,7 +9297,7 @@
 </p:sld>
 </file>
 
-<file path=ppt/slides/slide7.xml><?xml version="1.0" encoding="utf-8"?>
+<file path=ppt/slides/slide8.xml><?xml version="1.0" encoding="utf-8"?>
 <p:sld xmlns:a="http://schemas.openxmlformats.org/drawingml/2006/main" xmlns:r="http://schemas.openxmlformats.org/officeDocument/2006/relationships" xmlns:p="http://schemas.openxmlformats.org/presentationml/2006/main">
   <p:cSld>
     <p:spTree>
@@ -7712,7 +9338,7 @@
             <a:fld id="{FFF20539-7144-4945-B20A-62B30D853D34}" type="slidenum">
               <a:rPr lang="en-IN" smtClean="0"/>
               <a:pPr/>
-              <a:t>7</a:t>
+              <a:t>8</a:t>
             </a:fld>
             <a:endParaRPr lang="en-IN" dirty="0"/>
           </a:p>
@@ -7833,7 +9459,7 @@
                 <a:latin typeface="Times New Roman" panose="02020603050405020304" pitchFamily="18" charset="0"/>
                 <a:cs typeface="Times New Roman" panose="02020603050405020304" pitchFamily="18" charset="0"/>
               </a:rPr>
-              <a:t>This project aims to develop an AI-driven agricultural commodity price prediction system that enhances forecasting accuracy and aids in strategic market interventions. By integrating deep learning models (LSTM, </a:t>
+              <a:t>	This project aims to develop an AI-driven agricultural commodity price prediction system that enhances forecasting accuracy and aids in strategic market interventions. By integrating deep learning models (LSTM, </a:t>
             </a:r>
             <a:r>
               <a:rPr lang="en-US" sz="2400" dirty="0" err="1">
@@ -7860,880 +9486,6 @@
     <p:extLst>
       <p:ext uri="{BB962C8B-B14F-4D97-AF65-F5344CB8AC3E}">
         <p14:creationId xmlns:p14="http://schemas.microsoft.com/office/powerpoint/2010/main" val="3664224589"/>
-      </p:ext>
-    </p:extLst>
-  </p:cSld>
-  <p:clrMapOvr>
-    <a:masterClrMapping/>
-  </p:clrMapOvr>
-</p:sld>
-</file>
-
-<file path=ppt/slides/slide8.xml><?xml version="1.0" encoding="utf-8"?>
-<p:sld xmlns:a="http://schemas.openxmlformats.org/drawingml/2006/main" xmlns:r="http://schemas.openxmlformats.org/officeDocument/2006/relationships" xmlns:p="http://schemas.openxmlformats.org/presentationml/2006/main">
-  <p:cSld>
-    <p:spTree>
-      <p:nvGrpSpPr>
-        <p:cNvPr id="1" name=""/>
-        <p:cNvGrpSpPr/>
-        <p:nvPr/>
-      </p:nvGrpSpPr>
-      <p:grpSpPr>
-        <a:xfrm>
-          <a:off x="0" y="0"/>
-          <a:ext cx="0" cy="0"/>
-          <a:chOff x="0" y="0"/>
-          <a:chExt cx="0" cy="0"/>
-        </a:xfrm>
-      </p:grpSpPr>
-      <p:sp>
-        <p:nvSpPr>
-          <p:cNvPr id="2" name="Rectangle 1"/>
-          <p:cNvSpPr/>
-          <p:nvPr/>
-        </p:nvSpPr>
-        <p:spPr>
-          <a:xfrm>
-            <a:off x="562320" y="551192"/>
-            <a:ext cx="2826736" cy="584775"/>
-          </a:xfrm>
-          <a:prstGeom prst="rect">
-            <a:avLst/>
-          </a:prstGeom>
-        </p:spPr>
-        <p:txBody>
-          <a:bodyPr wrap="none">
-            <a:spAutoFit/>
-          </a:bodyPr>
-          <a:lstStyle/>
-          <a:p>
-            <a:r>
-              <a:rPr lang="en-US" sz="3200" b="1" dirty="0">
-                <a:solidFill>
-                  <a:srgbClr val="FF0000"/>
-                </a:solidFill>
-                <a:latin typeface="Times New Roman" panose="02020603050405020304" pitchFamily="18" charset="0"/>
-                <a:cs typeface="Times New Roman" panose="02020603050405020304" pitchFamily="18" charset="0"/>
-              </a:rPr>
-              <a:t>Block</a:t>
-            </a:r>
-            <a:r>
-              <a:rPr lang="en-US" sz="3200" b="1" spc="-40" dirty="0">
-                <a:solidFill>
-                  <a:srgbClr val="FF0000"/>
-                </a:solidFill>
-                <a:latin typeface="Times New Roman" panose="02020603050405020304" pitchFamily="18" charset="0"/>
-                <a:cs typeface="Times New Roman" panose="02020603050405020304" pitchFamily="18" charset="0"/>
-              </a:rPr>
-              <a:t> </a:t>
-            </a:r>
-            <a:r>
-              <a:rPr lang="en-US" sz="3200" b="1" spc="-10" dirty="0">
-                <a:solidFill>
-                  <a:srgbClr val="FF0000"/>
-                </a:solidFill>
-                <a:latin typeface="Times New Roman" panose="02020603050405020304" pitchFamily="18" charset="0"/>
-                <a:cs typeface="Times New Roman" panose="02020603050405020304" pitchFamily="18" charset="0"/>
-              </a:rPr>
-              <a:t>Diagram</a:t>
-            </a:r>
-            <a:endParaRPr lang="en-US" sz="3200" dirty="0">
-              <a:solidFill>
-                <a:srgbClr val="FF0000"/>
-              </a:solidFill>
-              <a:latin typeface="Times New Roman" panose="02020603050405020304" pitchFamily="18" charset="0"/>
-              <a:cs typeface="Times New Roman" panose="02020603050405020304" pitchFamily="18" charset="0"/>
-            </a:endParaRPr>
-          </a:p>
-        </p:txBody>
-      </p:sp>
-      <p:sp>
-        <p:nvSpPr>
-          <p:cNvPr id="12" name="Flowchart: Terminator 11">
-            <a:extLst>
-              <a:ext uri="{FF2B5EF4-FFF2-40B4-BE49-F238E27FC236}">
-                <a16:creationId xmlns:a16="http://schemas.microsoft.com/office/drawing/2014/main" id="{11B45F52-1A29-8E9F-60DC-BFBD5F233797}"/>
-              </a:ext>
-            </a:extLst>
-          </p:cNvPr>
-          <p:cNvSpPr/>
-          <p:nvPr/>
-        </p:nvSpPr>
-        <p:spPr>
-          <a:xfrm>
-            <a:off x="595914" y="1332925"/>
-            <a:ext cx="2705100" cy="685800"/>
-          </a:xfrm>
-          <a:prstGeom prst="flowChartTerminator">
-            <a:avLst/>
-          </a:prstGeom>
-          <a:solidFill>
-            <a:schemeClr val="accent1">
-              <a:lumMod val="40000"/>
-              <a:lumOff val="60000"/>
-            </a:schemeClr>
-          </a:solidFill>
-          <a:effectLst>
-            <a:softEdge rad="31750"/>
-          </a:effectLst>
-        </p:spPr>
-        <p:style>
-          <a:lnRef idx="2">
-            <a:schemeClr val="accent1">
-              <a:shade val="15000"/>
-            </a:schemeClr>
-          </a:lnRef>
-          <a:fillRef idx="1">
-            <a:schemeClr val="accent1"/>
-          </a:fillRef>
-          <a:effectRef idx="0">
-            <a:schemeClr val="accent1"/>
-          </a:effectRef>
-          <a:fontRef idx="minor">
-            <a:schemeClr val="lt1"/>
-          </a:fontRef>
-        </p:style>
-        <p:txBody>
-          <a:bodyPr rtlCol="0" anchor="ctr"/>
-          <a:lstStyle/>
-          <a:p>
-            <a:pPr algn="ctr"/>
-            <a:endParaRPr lang="en-IN" dirty="0">
-              <a:solidFill>
-                <a:srgbClr val="FF0000"/>
-              </a:solidFill>
-            </a:endParaRPr>
-          </a:p>
-        </p:txBody>
-      </p:sp>
-      <p:sp>
-        <p:nvSpPr>
-          <p:cNvPr id="22" name="Flowchart: Terminator 21">
-            <a:extLst>
-              <a:ext uri="{FF2B5EF4-FFF2-40B4-BE49-F238E27FC236}">
-                <a16:creationId xmlns:a16="http://schemas.microsoft.com/office/drawing/2014/main" id="{AF4571A5-9C84-4F29-0A1B-73D5FC3CF852}"/>
-              </a:ext>
-            </a:extLst>
-          </p:cNvPr>
-          <p:cNvSpPr/>
-          <p:nvPr/>
-        </p:nvSpPr>
-        <p:spPr>
-          <a:xfrm>
-            <a:off x="1090442" y="2165561"/>
-            <a:ext cx="2705100" cy="685800"/>
-          </a:xfrm>
-          <a:prstGeom prst="flowChartTerminator">
-            <a:avLst/>
-          </a:prstGeom>
-          <a:solidFill>
-            <a:schemeClr val="accent1">
-              <a:lumMod val="40000"/>
-              <a:lumOff val="60000"/>
-            </a:schemeClr>
-          </a:solidFill>
-          <a:effectLst>
-            <a:softEdge rad="31750"/>
-          </a:effectLst>
-        </p:spPr>
-        <p:style>
-          <a:lnRef idx="2">
-            <a:schemeClr val="accent1">
-              <a:shade val="15000"/>
-            </a:schemeClr>
-          </a:lnRef>
-          <a:fillRef idx="1">
-            <a:schemeClr val="accent1"/>
-          </a:fillRef>
-          <a:effectRef idx="0">
-            <a:schemeClr val="accent1"/>
-          </a:effectRef>
-          <a:fontRef idx="minor">
-            <a:schemeClr val="lt1"/>
-          </a:fontRef>
-        </p:style>
-        <p:txBody>
-          <a:bodyPr rtlCol="0" anchor="ctr"/>
-          <a:lstStyle/>
-          <a:p>
-            <a:pPr algn="ctr"/>
-            <a:endParaRPr lang="en-IN">
-              <a:solidFill>
-                <a:srgbClr val="FF0000"/>
-              </a:solidFill>
-            </a:endParaRPr>
-          </a:p>
-        </p:txBody>
-      </p:sp>
-      <p:sp>
-        <p:nvSpPr>
-          <p:cNvPr id="23" name="Flowchart: Terminator 22">
-            <a:extLst>
-              <a:ext uri="{FF2B5EF4-FFF2-40B4-BE49-F238E27FC236}">
-                <a16:creationId xmlns:a16="http://schemas.microsoft.com/office/drawing/2014/main" id="{ACA210A8-F25D-8972-4F08-79737A0EF9AC}"/>
-              </a:ext>
-            </a:extLst>
-          </p:cNvPr>
-          <p:cNvSpPr/>
-          <p:nvPr/>
-        </p:nvSpPr>
-        <p:spPr>
-          <a:xfrm>
-            <a:off x="1658533" y="2990345"/>
-            <a:ext cx="2705100" cy="685800"/>
-          </a:xfrm>
-          <a:prstGeom prst="flowChartTerminator">
-            <a:avLst/>
-          </a:prstGeom>
-          <a:solidFill>
-            <a:schemeClr val="accent1">
-              <a:lumMod val="40000"/>
-              <a:lumOff val="60000"/>
-            </a:schemeClr>
-          </a:solidFill>
-          <a:effectLst>
-            <a:softEdge rad="31750"/>
-          </a:effectLst>
-        </p:spPr>
-        <p:style>
-          <a:lnRef idx="2">
-            <a:schemeClr val="accent1">
-              <a:shade val="15000"/>
-            </a:schemeClr>
-          </a:lnRef>
-          <a:fillRef idx="1">
-            <a:schemeClr val="accent1"/>
-          </a:fillRef>
-          <a:effectRef idx="0">
-            <a:schemeClr val="accent1"/>
-          </a:effectRef>
-          <a:fontRef idx="minor">
-            <a:schemeClr val="lt1"/>
-          </a:fontRef>
-        </p:style>
-        <p:txBody>
-          <a:bodyPr rtlCol="0" anchor="ctr"/>
-          <a:lstStyle/>
-          <a:p>
-            <a:pPr algn="ctr"/>
-            <a:endParaRPr lang="en-IN">
-              <a:solidFill>
-                <a:srgbClr val="FF0000"/>
-              </a:solidFill>
-            </a:endParaRPr>
-          </a:p>
-        </p:txBody>
-      </p:sp>
-      <p:sp>
-        <p:nvSpPr>
-          <p:cNvPr id="24" name="Flowchart: Terminator 23">
-            <a:extLst>
-              <a:ext uri="{FF2B5EF4-FFF2-40B4-BE49-F238E27FC236}">
-                <a16:creationId xmlns:a16="http://schemas.microsoft.com/office/drawing/2014/main" id="{850E3580-C1F2-B6C6-0A53-6CF71989E083}"/>
-              </a:ext>
-            </a:extLst>
-          </p:cNvPr>
-          <p:cNvSpPr/>
-          <p:nvPr/>
-        </p:nvSpPr>
-        <p:spPr>
-          <a:xfrm>
-            <a:off x="2242274" y="3823834"/>
-            <a:ext cx="2705100" cy="685800"/>
-          </a:xfrm>
-          <a:prstGeom prst="flowChartTerminator">
-            <a:avLst/>
-          </a:prstGeom>
-          <a:solidFill>
-            <a:schemeClr val="accent1">
-              <a:lumMod val="40000"/>
-              <a:lumOff val="60000"/>
-            </a:schemeClr>
-          </a:solidFill>
-          <a:effectLst>
-            <a:softEdge rad="31750"/>
-          </a:effectLst>
-        </p:spPr>
-        <p:style>
-          <a:lnRef idx="2">
-            <a:schemeClr val="accent1">
-              <a:shade val="15000"/>
-            </a:schemeClr>
-          </a:lnRef>
-          <a:fillRef idx="1">
-            <a:schemeClr val="accent1"/>
-          </a:fillRef>
-          <a:effectRef idx="0">
-            <a:schemeClr val="accent1"/>
-          </a:effectRef>
-          <a:fontRef idx="minor">
-            <a:schemeClr val="lt1"/>
-          </a:fontRef>
-        </p:style>
-        <p:txBody>
-          <a:bodyPr rtlCol="0" anchor="ctr"/>
-          <a:lstStyle/>
-          <a:p>
-            <a:pPr algn="ctr"/>
-            <a:endParaRPr lang="en-IN">
-              <a:solidFill>
-                <a:srgbClr val="FF0000"/>
-              </a:solidFill>
-            </a:endParaRPr>
-          </a:p>
-        </p:txBody>
-      </p:sp>
-      <p:sp>
-        <p:nvSpPr>
-          <p:cNvPr id="26" name="Flowchart: Terminator 25">
-            <a:extLst>
-              <a:ext uri="{FF2B5EF4-FFF2-40B4-BE49-F238E27FC236}">
-                <a16:creationId xmlns:a16="http://schemas.microsoft.com/office/drawing/2014/main" id="{FE9B60DE-258C-2C1E-CEF4-12536C029E56}"/>
-              </a:ext>
-            </a:extLst>
-          </p:cNvPr>
-          <p:cNvSpPr/>
-          <p:nvPr/>
-        </p:nvSpPr>
-        <p:spPr>
-          <a:xfrm>
-            <a:off x="2866119" y="4661569"/>
-            <a:ext cx="2705100" cy="685800"/>
-          </a:xfrm>
-          <a:prstGeom prst="flowChartTerminator">
-            <a:avLst/>
-          </a:prstGeom>
-          <a:solidFill>
-            <a:schemeClr val="accent1">
-              <a:lumMod val="40000"/>
-              <a:lumOff val="60000"/>
-            </a:schemeClr>
-          </a:solidFill>
-          <a:effectLst>
-            <a:softEdge rad="31750"/>
-          </a:effectLst>
-        </p:spPr>
-        <p:style>
-          <a:lnRef idx="2">
-            <a:schemeClr val="accent1">
-              <a:shade val="15000"/>
-            </a:schemeClr>
-          </a:lnRef>
-          <a:fillRef idx="1">
-            <a:schemeClr val="accent1"/>
-          </a:fillRef>
-          <a:effectRef idx="0">
-            <a:schemeClr val="accent1"/>
-          </a:effectRef>
-          <a:fontRef idx="minor">
-            <a:schemeClr val="lt1"/>
-          </a:fontRef>
-        </p:style>
-        <p:txBody>
-          <a:bodyPr rtlCol="0" anchor="ctr"/>
-          <a:lstStyle/>
-          <a:p>
-            <a:pPr algn="ctr"/>
-            <a:endParaRPr lang="en-IN">
-              <a:solidFill>
-                <a:srgbClr val="FF0000"/>
-              </a:solidFill>
-            </a:endParaRPr>
-          </a:p>
-        </p:txBody>
-      </p:sp>
-      <p:sp>
-        <p:nvSpPr>
-          <p:cNvPr id="28" name="TextBox 27">
-            <a:extLst>
-              <a:ext uri="{FF2B5EF4-FFF2-40B4-BE49-F238E27FC236}">
-                <a16:creationId xmlns:a16="http://schemas.microsoft.com/office/drawing/2014/main" id="{6C7CDE28-DD3C-8707-CD6D-B8E0FC0CFAB2}"/>
-              </a:ext>
-            </a:extLst>
-          </p:cNvPr>
-          <p:cNvSpPr txBox="1"/>
-          <p:nvPr/>
-        </p:nvSpPr>
-        <p:spPr>
-          <a:xfrm>
-            <a:off x="940084" y="1485325"/>
-            <a:ext cx="2108200" cy="381000"/>
-          </a:xfrm>
-          <a:prstGeom prst="rect">
-            <a:avLst/>
-          </a:prstGeom>
-          <a:noFill/>
-        </p:spPr>
-        <p:txBody>
-          <a:bodyPr wrap="square" rtlCol="0">
-            <a:spAutoFit/>
-          </a:bodyPr>
-          <a:lstStyle/>
-          <a:p>
-            <a:pPr algn="ctr"/>
-            <a:r>
-              <a:rPr lang="en-IN" b="1" dirty="0"/>
-              <a:t>Data Collection</a:t>
-            </a:r>
-          </a:p>
-        </p:txBody>
-      </p:sp>
-      <p:sp>
-        <p:nvSpPr>
-          <p:cNvPr id="29" name="TextBox 28">
-            <a:extLst>
-              <a:ext uri="{FF2B5EF4-FFF2-40B4-BE49-F238E27FC236}">
-                <a16:creationId xmlns:a16="http://schemas.microsoft.com/office/drawing/2014/main" id="{D95C32A1-55E3-7391-E30F-493D073C2F87}"/>
-              </a:ext>
-            </a:extLst>
-          </p:cNvPr>
-          <p:cNvSpPr txBox="1"/>
-          <p:nvPr/>
-        </p:nvSpPr>
-        <p:spPr>
-          <a:xfrm>
-            <a:off x="3164569" y="4813969"/>
-            <a:ext cx="2108200" cy="381000"/>
-          </a:xfrm>
-          <a:prstGeom prst="rect">
-            <a:avLst/>
-          </a:prstGeom>
-          <a:noFill/>
-        </p:spPr>
-        <p:txBody>
-          <a:bodyPr wrap="square" rtlCol="0">
-            <a:spAutoFit/>
-          </a:bodyPr>
-          <a:lstStyle/>
-          <a:p>
-            <a:r>
-              <a:rPr lang="en-IN" b="1" dirty="0"/>
-              <a:t>Decision Support</a:t>
-            </a:r>
-          </a:p>
-        </p:txBody>
-      </p:sp>
-      <p:sp>
-        <p:nvSpPr>
-          <p:cNvPr id="30" name="TextBox 29">
-            <a:extLst>
-              <a:ext uri="{FF2B5EF4-FFF2-40B4-BE49-F238E27FC236}">
-                <a16:creationId xmlns:a16="http://schemas.microsoft.com/office/drawing/2014/main" id="{1A7E1B42-50DD-569E-34F3-93BFF4C92401}"/>
-              </a:ext>
-            </a:extLst>
-          </p:cNvPr>
-          <p:cNvSpPr txBox="1"/>
-          <p:nvPr/>
-        </p:nvSpPr>
-        <p:spPr>
-          <a:xfrm>
-            <a:off x="2636960" y="3976234"/>
-            <a:ext cx="2108200" cy="381000"/>
-          </a:xfrm>
-          <a:prstGeom prst="rect">
-            <a:avLst/>
-          </a:prstGeom>
-          <a:noFill/>
-        </p:spPr>
-        <p:txBody>
-          <a:bodyPr wrap="square" rtlCol="0">
-            <a:spAutoFit/>
-          </a:bodyPr>
-          <a:lstStyle/>
-          <a:p>
-            <a:r>
-              <a:rPr lang="en-IN" b="1" dirty="0"/>
-              <a:t>Volatility Analysis</a:t>
-            </a:r>
-            <a:r>
-              <a:rPr lang="en-IN" dirty="0"/>
-              <a:t> </a:t>
-            </a:r>
-          </a:p>
-        </p:txBody>
-      </p:sp>
-      <p:sp>
-        <p:nvSpPr>
-          <p:cNvPr id="33" name="TextBox 32">
-            <a:extLst>
-              <a:ext uri="{FF2B5EF4-FFF2-40B4-BE49-F238E27FC236}">
-                <a16:creationId xmlns:a16="http://schemas.microsoft.com/office/drawing/2014/main" id="{4F1B5C8E-2DBC-26DD-D71F-46CAD6258B2E}"/>
-              </a:ext>
-            </a:extLst>
-          </p:cNvPr>
-          <p:cNvSpPr txBox="1"/>
-          <p:nvPr/>
-        </p:nvSpPr>
-        <p:spPr>
-          <a:xfrm>
-            <a:off x="1416324" y="2320165"/>
-            <a:ext cx="2108200" cy="381000"/>
-          </a:xfrm>
-          <a:prstGeom prst="rect">
-            <a:avLst/>
-          </a:prstGeom>
-          <a:noFill/>
-        </p:spPr>
-        <p:txBody>
-          <a:bodyPr wrap="square" rtlCol="0">
-            <a:spAutoFit/>
-          </a:bodyPr>
-          <a:lstStyle/>
-          <a:p>
-            <a:r>
-              <a:rPr lang="en-IN" b="1" dirty="0"/>
-              <a:t>Data Preprocessing</a:t>
-            </a:r>
-            <a:r>
-              <a:rPr lang="en-IN" dirty="0"/>
-              <a:t> </a:t>
-            </a:r>
-          </a:p>
-        </p:txBody>
-      </p:sp>
-      <p:sp>
-        <p:nvSpPr>
-          <p:cNvPr id="32" name="TextBox 31">
-            <a:extLst>
-              <a:ext uri="{FF2B5EF4-FFF2-40B4-BE49-F238E27FC236}">
-                <a16:creationId xmlns:a16="http://schemas.microsoft.com/office/drawing/2014/main" id="{92EAC5BA-4645-4F23-6CE0-0B4E09A6C450}"/>
-              </a:ext>
-            </a:extLst>
-          </p:cNvPr>
-          <p:cNvSpPr txBox="1"/>
-          <p:nvPr/>
-        </p:nvSpPr>
-        <p:spPr>
-          <a:xfrm>
-            <a:off x="1944441" y="3021581"/>
-            <a:ext cx="2108200" cy="646331"/>
-          </a:xfrm>
-          <a:prstGeom prst="rect">
-            <a:avLst/>
-          </a:prstGeom>
-          <a:noFill/>
-        </p:spPr>
-        <p:txBody>
-          <a:bodyPr wrap="square" rtlCol="0">
-            <a:spAutoFit/>
-          </a:bodyPr>
-          <a:lstStyle/>
-          <a:p>
-            <a:pPr algn="ctr"/>
-            <a:r>
-              <a:rPr lang="en-IN" b="1" dirty="0"/>
-              <a:t>Price Prediction Models</a:t>
-            </a:r>
-          </a:p>
-        </p:txBody>
-      </p:sp>
-      <p:sp>
-        <p:nvSpPr>
-          <p:cNvPr id="5" name="TextBox 4">
-            <a:extLst>
-              <a:ext uri="{FF2B5EF4-FFF2-40B4-BE49-F238E27FC236}">
-                <a16:creationId xmlns:a16="http://schemas.microsoft.com/office/drawing/2014/main" id="{E78380FB-4A46-0697-E018-63924E1EC6C0}"/>
-              </a:ext>
-            </a:extLst>
-          </p:cNvPr>
-          <p:cNvSpPr txBox="1"/>
-          <p:nvPr/>
-        </p:nvSpPr>
-        <p:spPr>
-          <a:xfrm>
-            <a:off x="3301014" y="1332925"/>
-            <a:ext cx="6094140" cy="646331"/>
-          </a:xfrm>
-          <a:prstGeom prst="rect">
-            <a:avLst/>
-          </a:prstGeom>
-          <a:noFill/>
-        </p:spPr>
-        <p:txBody>
-          <a:bodyPr wrap="square">
-            <a:spAutoFit/>
-          </a:bodyPr>
-          <a:lstStyle/>
-          <a:p>
-            <a:r>
-              <a:rPr lang="en-US"/>
-              <a:t>AGMARKNET, Government Reports, Market APIs, Weather Data, News/Social Media.</a:t>
-            </a:r>
-            <a:endParaRPr lang="en-IN" dirty="0"/>
-          </a:p>
-        </p:txBody>
-      </p:sp>
-      <p:sp>
-        <p:nvSpPr>
-          <p:cNvPr id="7" name="TextBox 6">
-            <a:extLst>
-              <a:ext uri="{FF2B5EF4-FFF2-40B4-BE49-F238E27FC236}">
-                <a16:creationId xmlns:a16="http://schemas.microsoft.com/office/drawing/2014/main" id="{B7666CDB-584B-6ED1-4134-59F36A463710}"/>
-              </a:ext>
-            </a:extLst>
-          </p:cNvPr>
-          <p:cNvSpPr txBox="1"/>
-          <p:nvPr/>
-        </p:nvSpPr>
-        <p:spPr>
-          <a:xfrm>
-            <a:off x="3771479" y="2301767"/>
-            <a:ext cx="6094140" cy="369332"/>
-          </a:xfrm>
-          <a:prstGeom prst="rect">
-            <a:avLst/>
-          </a:prstGeom>
-          <a:noFill/>
-        </p:spPr>
-        <p:txBody>
-          <a:bodyPr wrap="square">
-            <a:spAutoFit/>
-          </a:bodyPr>
-          <a:lstStyle/>
-          <a:p>
-            <a:r>
-              <a:rPr lang="en-US" dirty="0"/>
-              <a:t>Data Cleaning, Feature Engineering, Time-Series Processing.</a:t>
-            </a:r>
-            <a:endParaRPr lang="en-IN" dirty="0"/>
-          </a:p>
-        </p:txBody>
-      </p:sp>
-      <p:sp>
-        <p:nvSpPr>
-          <p:cNvPr id="9" name="TextBox 8">
-            <a:extLst>
-              <a:ext uri="{FF2B5EF4-FFF2-40B4-BE49-F238E27FC236}">
-                <a16:creationId xmlns:a16="http://schemas.microsoft.com/office/drawing/2014/main" id="{439E228C-32C3-EA80-2303-BE8196F1CC5E}"/>
-              </a:ext>
-            </a:extLst>
-          </p:cNvPr>
-          <p:cNvSpPr txBox="1"/>
-          <p:nvPr/>
-        </p:nvSpPr>
-        <p:spPr>
-          <a:xfrm>
-            <a:off x="4363633" y="3094464"/>
-            <a:ext cx="6094140" cy="369332"/>
-          </a:xfrm>
-          <a:prstGeom prst="rect">
-            <a:avLst/>
-          </a:prstGeom>
-          <a:noFill/>
-        </p:spPr>
-        <p:txBody>
-          <a:bodyPr wrap="square">
-            <a:spAutoFit/>
-          </a:bodyPr>
-          <a:lstStyle/>
-          <a:p>
-            <a:r>
-              <a:rPr lang="en-IN" dirty="0"/>
-              <a:t>ARIMA, SARIMA, XGBoost, Random Forest, LSTM, GRU.</a:t>
-            </a:r>
-          </a:p>
-        </p:txBody>
-      </p:sp>
-      <p:sp>
-        <p:nvSpPr>
-          <p:cNvPr id="11" name="TextBox 10">
-            <a:extLst>
-              <a:ext uri="{FF2B5EF4-FFF2-40B4-BE49-F238E27FC236}">
-                <a16:creationId xmlns:a16="http://schemas.microsoft.com/office/drawing/2014/main" id="{4507E6B4-4B24-03FB-21E1-D045315A48CA}"/>
-              </a:ext>
-            </a:extLst>
-          </p:cNvPr>
-          <p:cNvSpPr txBox="1"/>
-          <p:nvPr/>
-        </p:nvSpPr>
-        <p:spPr>
-          <a:xfrm>
-            <a:off x="4947374" y="3933594"/>
-            <a:ext cx="6094140" cy="369332"/>
-          </a:xfrm>
-          <a:prstGeom prst="rect">
-            <a:avLst/>
-          </a:prstGeom>
-          <a:noFill/>
-        </p:spPr>
-        <p:txBody>
-          <a:bodyPr wrap="square">
-            <a:spAutoFit/>
-          </a:bodyPr>
-          <a:lstStyle/>
-          <a:p>
-            <a:r>
-              <a:rPr lang="en-US" dirty="0"/>
-              <a:t>GARCH Model, Sentiment Analysis, Anomaly Detection.</a:t>
-            </a:r>
-            <a:endParaRPr lang="en-IN" dirty="0"/>
-          </a:p>
-        </p:txBody>
-      </p:sp>
-      <p:sp>
-        <p:nvSpPr>
-          <p:cNvPr id="14" name="TextBox 13">
-            <a:extLst>
-              <a:ext uri="{FF2B5EF4-FFF2-40B4-BE49-F238E27FC236}">
-                <a16:creationId xmlns:a16="http://schemas.microsoft.com/office/drawing/2014/main" id="{16F8EEA8-809A-0645-3031-327C0CC1304F}"/>
-              </a:ext>
-            </a:extLst>
-          </p:cNvPr>
-          <p:cNvSpPr txBox="1"/>
-          <p:nvPr/>
-        </p:nvSpPr>
-        <p:spPr>
-          <a:xfrm>
-            <a:off x="5571219" y="4644353"/>
-            <a:ext cx="6094140" cy="646331"/>
-          </a:xfrm>
-          <a:prstGeom prst="rect">
-            <a:avLst/>
-          </a:prstGeom>
-          <a:noFill/>
-        </p:spPr>
-        <p:txBody>
-          <a:bodyPr wrap="square">
-            <a:spAutoFit/>
-          </a:bodyPr>
-          <a:lstStyle/>
-          <a:p>
-            <a:r>
-              <a:rPr lang="en-US" dirty="0"/>
-              <a:t>Buffer Stock Optimization, Explainable AI, Market Intervention Strategies.</a:t>
-            </a:r>
-            <a:endParaRPr lang="en-IN" dirty="0"/>
-          </a:p>
-        </p:txBody>
-      </p:sp>
-      <p:sp>
-        <p:nvSpPr>
-          <p:cNvPr id="15" name="Flowchart: Terminator 14">
-            <a:extLst>
-              <a:ext uri="{FF2B5EF4-FFF2-40B4-BE49-F238E27FC236}">
-                <a16:creationId xmlns:a16="http://schemas.microsoft.com/office/drawing/2014/main" id="{A93C8416-CB74-3032-8A37-26FB078621F4}"/>
-              </a:ext>
-            </a:extLst>
-          </p:cNvPr>
-          <p:cNvSpPr/>
-          <p:nvPr/>
-        </p:nvSpPr>
-        <p:spPr>
-          <a:xfrm>
-            <a:off x="3457207" y="5476436"/>
-            <a:ext cx="2705100" cy="685800"/>
-          </a:xfrm>
-          <a:prstGeom prst="flowChartTerminator">
-            <a:avLst/>
-          </a:prstGeom>
-          <a:solidFill>
-            <a:schemeClr val="accent1">
-              <a:lumMod val="40000"/>
-              <a:lumOff val="60000"/>
-            </a:schemeClr>
-          </a:solidFill>
-          <a:effectLst>
-            <a:softEdge rad="31750"/>
-          </a:effectLst>
-        </p:spPr>
-        <p:style>
-          <a:lnRef idx="2">
-            <a:schemeClr val="accent1">
-              <a:shade val="15000"/>
-            </a:schemeClr>
-          </a:lnRef>
-          <a:fillRef idx="1">
-            <a:schemeClr val="accent1"/>
-          </a:fillRef>
-          <a:effectRef idx="0">
-            <a:schemeClr val="accent1"/>
-          </a:effectRef>
-          <a:fontRef idx="minor">
-            <a:schemeClr val="lt1"/>
-          </a:fontRef>
-        </p:style>
-        <p:txBody>
-          <a:bodyPr rtlCol="0" anchor="ctr"/>
-          <a:lstStyle/>
-          <a:p>
-            <a:pPr algn="ctr"/>
-            <a:endParaRPr lang="en-IN">
-              <a:solidFill>
-                <a:srgbClr val="FF0000"/>
-              </a:solidFill>
-            </a:endParaRPr>
-          </a:p>
-        </p:txBody>
-      </p:sp>
-      <p:sp>
-        <p:nvSpPr>
-          <p:cNvPr id="16" name="TextBox 15">
-            <a:extLst>
-              <a:ext uri="{FF2B5EF4-FFF2-40B4-BE49-F238E27FC236}">
-                <a16:creationId xmlns:a16="http://schemas.microsoft.com/office/drawing/2014/main" id="{9A170803-94B5-2622-9E31-31811FFBADE6}"/>
-              </a:ext>
-            </a:extLst>
-          </p:cNvPr>
-          <p:cNvSpPr txBox="1"/>
-          <p:nvPr/>
-        </p:nvSpPr>
-        <p:spPr>
-          <a:xfrm>
-            <a:off x="3755657" y="5515440"/>
-            <a:ext cx="2108200" cy="646331"/>
-          </a:xfrm>
-          <a:prstGeom prst="rect">
-            <a:avLst/>
-          </a:prstGeom>
-          <a:noFill/>
-        </p:spPr>
-        <p:txBody>
-          <a:bodyPr wrap="square" rtlCol="0">
-            <a:spAutoFit/>
-          </a:bodyPr>
-          <a:lstStyle/>
-          <a:p>
-            <a:pPr algn="ctr"/>
-            <a:r>
-              <a:rPr lang="en-IN" b="1" dirty="0"/>
-              <a:t>Visualization &amp; Deployment</a:t>
-            </a:r>
-          </a:p>
-        </p:txBody>
-      </p:sp>
-      <p:sp>
-        <p:nvSpPr>
-          <p:cNvPr id="3" name="Rectangle 2"/>
-          <p:cNvSpPr/>
-          <p:nvPr/>
-        </p:nvSpPr>
-        <p:spPr>
-          <a:xfrm>
-            <a:off x="6290564" y="5614355"/>
-            <a:ext cx="4169859" cy="369332"/>
-          </a:xfrm>
-          <a:prstGeom prst="rect">
-            <a:avLst/>
-          </a:prstGeom>
-        </p:spPr>
-        <p:txBody>
-          <a:bodyPr wrap="none">
-            <a:spAutoFit/>
-          </a:bodyPr>
-          <a:lstStyle/>
-          <a:p>
-            <a:r>
-              <a:rPr lang="en-US" dirty="0" smtClean="0"/>
-              <a:t>Interface Design &amp; Visualization of results </a:t>
-            </a:r>
-            <a:endParaRPr lang="en-IN" dirty="0"/>
-          </a:p>
-        </p:txBody>
-      </p:sp>
-    </p:spTree>
-    <p:extLst>
-      <p:ext uri="{BB962C8B-B14F-4D97-AF65-F5344CB8AC3E}">
-        <p14:creationId xmlns:p14="http://schemas.microsoft.com/office/powerpoint/2010/main" val="3557260021"/>
       </p:ext>
     </p:extLst>
   </p:cSld>
@@ -8748,7 +9500,13 @@
   <p:cSld>
     <p:spTree>
       <p:nvGrpSpPr>
-        <p:cNvPr id="1" name=""/>
+        <p:cNvPr id="1" name="">
+          <a:extLst>
+            <a:ext uri="{FF2B5EF4-FFF2-40B4-BE49-F238E27FC236}">
+              <a16:creationId xmlns:a16="http://schemas.microsoft.com/office/drawing/2014/main" id="{A86ACF7B-497C-09B2-EDC9-0E5E59FC9EE6}"/>
+            </a:ext>
+          </a:extLst>
+        </p:cNvPr>
         <p:cNvGrpSpPr/>
         <p:nvPr/>
       </p:nvGrpSpPr>
@@ -8762,37 +9520,100 @@
       </p:grpSpPr>
       <p:sp>
         <p:nvSpPr>
-          <p:cNvPr id="2" name="Title 1"/>
+          <p:cNvPr id="5" name="Slide Number Placeholder 4">
+            <a:extLst>
+              <a:ext uri="{FF2B5EF4-FFF2-40B4-BE49-F238E27FC236}">
+                <a16:creationId xmlns:a16="http://schemas.microsoft.com/office/drawing/2014/main" id="{35C0A0A8-476E-3827-52E3-3B09459EB1FB}"/>
+              </a:ext>
+            </a:extLst>
+          </p:cNvPr>
           <p:cNvSpPr>
             <a:spLocks noGrp="1"/>
           </p:cNvSpPr>
           <p:nvPr>
-            <p:ph type="title"/>
+            <p:ph type="sldNum" sz="quarter" idx="12"/>
           </p:nvPr>
+        </p:nvSpPr>
+        <p:spPr/>
+        <p:txBody>
+          <a:bodyPr/>
+          <a:lstStyle/>
+          <a:p>
+            <a:fld id="{FFF20539-7144-4945-B20A-62B30D853D34}" type="slidenum">
+              <a:rPr lang="en-IN" smtClean="0"/>
+              <a:pPr/>
+              <a:t>9</a:t>
+            </a:fld>
+            <a:endParaRPr lang="en-IN" dirty="0"/>
+          </a:p>
+        </p:txBody>
+      </p:sp>
+      <p:sp>
+        <p:nvSpPr>
+          <p:cNvPr id="6" name="object 2">
+            <a:extLst>
+              <a:ext uri="{FF2B5EF4-FFF2-40B4-BE49-F238E27FC236}">
+                <a16:creationId xmlns:a16="http://schemas.microsoft.com/office/drawing/2014/main" id="{C88371BD-924B-3D4E-BB2D-B379C5004B4E}"/>
+              </a:ext>
+            </a:extLst>
+          </p:cNvPr>
+          <p:cNvSpPr txBox="1">
+            <a:spLocks/>
+          </p:cNvSpPr>
+          <p:nvPr/>
         </p:nvSpPr>
         <p:spPr>
           <a:xfrm>
-            <a:off x="596900" y="185836"/>
-            <a:ext cx="10515600" cy="1325563"/>
+            <a:off x="651051" y="581654"/>
+            <a:ext cx="6596415" cy="506549"/>
           </a:xfrm>
+          <a:prstGeom prst="rect">
+            <a:avLst/>
+          </a:prstGeom>
         </p:spPr>
         <p:txBody>
-          <a:bodyPr>
-            <a:normAutofit/>
+          <a:bodyPr vert="horz" wrap="square" lIns="0" tIns="13970" rIns="0" bIns="0" rtlCol="0" anchor="ctr">
+            <a:spAutoFit/>
           </a:bodyPr>
-          <a:lstStyle/>
-          <a:p>
-            <a:r>
-              <a:rPr lang="en-US" sz="3200" b="1" dirty="0">
+          <a:lstStyle>
+            <a:lvl1pPr algn="l" defTabSz="914400" rtl="0" eaLnBrk="1" latinLnBrk="0" hangingPunct="1">
+              <a:lnSpc>
+                <a:spcPct val="90000"/>
+              </a:lnSpc>
+              <a:spcBef>
+                <a:spcPct val="0"/>
+              </a:spcBef>
+              <a:buNone/>
+              <a:defRPr sz="4400" kern="1200">
+                <a:solidFill>
+                  <a:schemeClr val="tx1"/>
+                </a:solidFill>
+                <a:latin typeface="+mj-lt"/>
+                <a:ea typeface="+mj-ea"/>
+                <a:cs typeface="+mj-cs"/>
+              </a:defRPr>
+            </a:lvl1pPr>
+          </a:lstStyle>
+          <a:p>
+            <a:pPr marL="12700">
+              <a:lnSpc>
+                <a:spcPct val="100000"/>
+              </a:lnSpc>
+              <a:spcBef>
+                <a:spcPts val="110"/>
+              </a:spcBef>
+            </a:pPr>
+            <a:r>
+              <a:rPr lang="en-IN" sz="3200" b="1" spc="-10" dirty="0">
                 <a:solidFill>
                   <a:srgbClr val="FF0000"/>
                 </a:solidFill>
                 <a:latin typeface="Times New Roman" pitchFamily="18" charset="0"/>
                 <a:cs typeface="Times New Roman" pitchFamily="18" charset="0"/>
               </a:rPr>
-              <a:t>Software Requirements</a:t>
-            </a:r>
-            <a:endParaRPr lang="en-IN" sz="3200" b="1" dirty="0">
+              <a:t>Existing System Block Diagram</a:t>
+            </a:r>
+            <a:endParaRPr lang="en-IN" sz="2800" b="1" spc="-10" dirty="0">
               <a:solidFill>
                 <a:srgbClr val="FF0000"/>
               </a:solidFill>
@@ -8802,315 +9623,59 @@
           </a:p>
         </p:txBody>
       </p:sp>
-      <p:sp>
-        <p:nvSpPr>
-          <p:cNvPr id="3" name="Content Placeholder 2"/>
-          <p:cNvSpPr>
-            <a:spLocks noGrp="1"/>
-          </p:cNvSpPr>
-          <p:nvPr>
-            <p:ph idx="1"/>
-          </p:nvPr>
-        </p:nvSpPr>
-        <p:spPr>
-          <a:xfrm>
-            <a:off x="838200" y="1375873"/>
-            <a:ext cx="8429786" cy="4801090"/>
-          </a:xfrm>
-        </p:spPr>
-        <p:txBody>
-          <a:bodyPr>
-            <a:normAutofit/>
-          </a:bodyPr>
-          <a:lstStyle/>
-          <a:p>
-            <a:pPr>
-              <a:buNone/>
-            </a:pPr>
-            <a:endParaRPr lang="en-IN" dirty="0">
-              <a:latin typeface="Times New Roman"/>
-              <a:cs typeface="Times New Roman"/>
-            </a:endParaRPr>
-          </a:p>
-          <a:p>
-            <a:pPr>
-              <a:buNone/>
-            </a:pPr>
-            <a:endParaRPr lang="en-IN" dirty="0">
-              <a:solidFill>
-                <a:srgbClr val="0070C0"/>
-              </a:solidFill>
-            </a:endParaRPr>
-          </a:p>
-        </p:txBody>
-      </p:sp>
-      <p:sp>
-        <p:nvSpPr>
-          <p:cNvPr id="5" name="Slide Number Placeholder 4"/>
-          <p:cNvSpPr>
-            <a:spLocks noGrp="1"/>
-          </p:cNvSpPr>
-          <p:nvPr>
-            <p:ph type="sldNum" sz="quarter" idx="12"/>
-          </p:nvPr>
-        </p:nvSpPr>
-        <p:spPr/>
-        <p:txBody>
-          <a:bodyPr/>
-          <a:lstStyle/>
-          <a:p>
-            <a:fld id="{FFF20539-7144-4945-B20A-62B30D853D34}" type="slidenum">
-              <a:rPr lang="en-IN" smtClean="0"/>
-              <a:pPr/>
-              <a:t>9</a:t>
-            </a:fld>
-            <a:endParaRPr lang="en-IN" dirty="0"/>
-          </a:p>
-        </p:txBody>
-      </p:sp>
-      <p:sp>
-        <p:nvSpPr>
-          <p:cNvPr id="11" name="Rectangle 4"/>
-          <p:cNvSpPr>
-            <a:spLocks noChangeArrowheads="1"/>
-          </p:cNvSpPr>
+      <p:pic>
+        <p:nvPicPr>
+          <p:cNvPr id="1028" name="Picture 4">
+            <a:extLst>
+              <a:ext uri="{FF2B5EF4-FFF2-40B4-BE49-F238E27FC236}">
+                <a16:creationId xmlns:a16="http://schemas.microsoft.com/office/drawing/2014/main" id="{5532B104-ACF7-7915-1909-F70399627F06}"/>
+              </a:ext>
+            </a:extLst>
+          </p:cNvPr>
+          <p:cNvPicPr>
+            <a:picLocks noChangeAspect="1" noChangeArrowheads="1"/>
+          </p:cNvPicPr>
           <p:nvPr/>
-        </p:nvSpPr>
+        </p:nvPicPr>
+        <p:blipFill>
+          <a:blip r:embed="rId2">
+            <a:extLst>
+              <a:ext uri="{28A0092B-C50C-407E-A947-70E740481C1C}">
+                <a14:useLocalDpi xmlns:a14="http://schemas.microsoft.com/office/drawing/2010/main" val="0"/>
+              </a:ext>
+            </a:extLst>
+          </a:blip>
+          <a:srcRect/>
+          <a:stretch>
+            <a:fillRect/>
+          </a:stretch>
+        </p:blipFill>
         <p:spPr bwMode="auto">
           <a:xfrm>
-            <a:off x="982490" y="1646926"/>
-            <a:ext cx="7628109" cy="3903954"/>
+            <a:off x="1208629" y="1543050"/>
+            <a:ext cx="9774741" cy="3771900"/>
           </a:xfrm>
           <a:prstGeom prst="rect">
             <a:avLst/>
           </a:prstGeom>
           <a:noFill/>
-          <a:ln>
-            <a:noFill/>
-          </a:ln>
-          <a:effectLst/>
           <a:extLst>
             <a:ext uri="{909E8E84-426E-40DD-AFC4-6F175D3DCCD1}">
               <a14:hiddenFill xmlns:a14="http://schemas.microsoft.com/office/drawing/2010/main">
                 <a:solidFill>
-                  <a:schemeClr val="accent1"/>
+                  <a:srgbClr val="FFFFFF"/>
                 </a:solidFill>
               </a14:hiddenFill>
             </a:ext>
-            <a:ext uri="{91240B29-F687-4F45-9708-019B960494DF}">
-              <a14:hiddenLine xmlns:a14="http://schemas.microsoft.com/office/drawing/2010/main" w="9525">
-                <a:solidFill>
-                  <a:schemeClr val="tx1"/>
-                </a:solidFill>
-                <a:miter lim="800000"/>
-                <a:headEnd/>
-                <a:tailEnd/>
-              </a14:hiddenLine>
-            </a:ext>
-            <a:ext uri="{AF507438-7753-43E0-B8FC-AC1667EBCBE1}">
-              <a14:hiddenEffects xmlns:a14="http://schemas.microsoft.com/office/drawing/2010/main">
-                <a:effectLst>
-                  <a:outerShdw dist="35921" dir="2700000" algn="ctr" rotWithShape="0">
-                    <a:schemeClr val="bg2"/>
-                  </a:outerShdw>
-                </a:effectLst>
-              </a14:hiddenEffects>
-            </a:ext>
           </a:extLst>
         </p:spPr>
-        <p:txBody>
-          <a:bodyPr vert="horz" wrap="square" lIns="91440" tIns="45720" rIns="91440" bIns="45720" numCol="1" anchor="ctr" anchorCtr="0" compatLnSpc="1">
-            <a:prstTxWarp prst="textNoShape">
-              <a:avLst/>
-            </a:prstTxWarp>
-            <a:spAutoFit/>
-          </a:bodyPr>
-          <a:lstStyle/>
-          <a:p>
-            <a:pPr marL="342900" lvl="0" indent="-342900" eaLnBrk="0" fontAlgn="base" hangingPunct="0">
-              <a:lnSpc>
-                <a:spcPct val="150000"/>
-              </a:lnSpc>
-              <a:spcBef>
-                <a:spcPct val="0"/>
-              </a:spcBef>
-              <a:spcAft>
-                <a:spcPct val="0"/>
-              </a:spcAft>
-              <a:buFont typeface="Arial" panose="020B0604020202020204" pitchFamily="34" charset="0"/>
-              <a:buChar char="•"/>
-            </a:pPr>
-            <a:r>
-              <a:rPr lang="en-US" altLang="en-US" sz="2400" b="1" dirty="0">
-                <a:latin typeface="Times New Roman" panose="02020603050405020304" pitchFamily="18" charset="0"/>
-                <a:cs typeface="Times New Roman" panose="02020603050405020304" pitchFamily="18" charset="0"/>
-              </a:rPr>
-              <a:t>Operating System</a:t>
-            </a:r>
-            <a:r>
-              <a:rPr lang="en-US" altLang="en-US" sz="2400" dirty="0">
-                <a:latin typeface="Times New Roman" panose="02020603050405020304" pitchFamily="18" charset="0"/>
-                <a:cs typeface="Times New Roman" panose="02020603050405020304" pitchFamily="18" charset="0"/>
-              </a:rPr>
-              <a:t> – Windows 11</a:t>
-            </a:r>
-          </a:p>
-          <a:p>
-            <a:pPr marL="342900" marR="0" lvl="0" indent="-342900" algn="l" defTabSz="914400" rtl="0" eaLnBrk="0" fontAlgn="base" latinLnBrk="0" hangingPunct="0">
-              <a:lnSpc>
-                <a:spcPct val="150000"/>
-              </a:lnSpc>
-              <a:spcBef>
-                <a:spcPct val="0"/>
-              </a:spcBef>
-              <a:spcAft>
-                <a:spcPct val="0"/>
-              </a:spcAft>
-              <a:buClrTx/>
-              <a:buSzTx/>
-              <a:buFont typeface="Arial" panose="020B0604020202020204" pitchFamily="34" charset="0"/>
-              <a:buChar char="•"/>
-              <a:tabLst/>
-            </a:pPr>
-            <a:r>
-              <a:rPr lang="en-IN" sz="2400" b="1" dirty="0">
-                <a:latin typeface="Times New Roman" panose="02020603050405020304" pitchFamily="18" charset="0"/>
-                <a:cs typeface="Times New Roman" panose="02020603050405020304" pitchFamily="18" charset="0"/>
-              </a:rPr>
-              <a:t>Programming Languages:</a:t>
-            </a:r>
-            <a:r>
-              <a:rPr lang="en-IN" sz="2400" dirty="0">
-                <a:latin typeface="Times New Roman" panose="02020603050405020304" pitchFamily="18" charset="0"/>
-                <a:cs typeface="Times New Roman" panose="02020603050405020304" pitchFamily="18" charset="0"/>
-              </a:rPr>
-              <a:t> Python (Pandas, NumPy, </a:t>
-            </a:r>
-            <a:r>
-              <a:rPr lang="en-IN" sz="2400" dirty="0" err="1">
-                <a:latin typeface="Times New Roman" panose="02020603050405020304" pitchFamily="18" charset="0"/>
-                <a:cs typeface="Times New Roman" panose="02020603050405020304" pitchFamily="18" charset="0"/>
-              </a:rPr>
-              <a:t>Sklearn</a:t>
-            </a:r>
-            <a:r>
-              <a:rPr lang="en-IN" sz="2400" dirty="0">
-                <a:latin typeface="Times New Roman" panose="02020603050405020304" pitchFamily="18" charset="0"/>
-                <a:cs typeface="Times New Roman" panose="02020603050405020304" pitchFamily="18" charset="0"/>
-              </a:rPr>
-              <a:t>, TensorFlow/PyTorch), Java(JDBC)</a:t>
-            </a:r>
-          </a:p>
-          <a:p>
-            <a:pPr marL="342900" marR="0" lvl="0" indent="-342900" algn="l" defTabSz="914400" rtl="0" eaLnBrk="0" fontAlgn="base" latinLnBrk="0" hangingPunct="0">
-              <a:lnSpc>
-                <a:spcPct val="150000"/>
-              </a:lnSpc>
-              <a:spcBef>
-                <a:spcPct val="0"/>
-              </a:spcBef>
-              <a:spcAft>
-                <a:spcPct val="0"/>
-              </a:spcAft>
-              <a:buClrTx/>
-              <a:buSzTx/>
-              <a:buFont typeface="Arial" panose="020B0604020202020204" pitchFamily="34" charset="0"/>
-              <a:buChar char="•"/>
-              <a:tabLst/>
-            </a:pPr>
-            <a:r>
-              <a:rPr lang="en-IN" sz="2400" b="1" dirty="0">
-                <a:latin typeface="Times New Roman" panose="02020603050405020304" pitchFamily="18" charset="0"/>
-                <a:cs typeface="Times New Roman" panose="02020603050405020304" pitchFamily="18" charset="0"/>
-              </a:rPr>
-              <a:t>Data Processing:</a:t>
-            </a:r>
-            <a:r>
-              <a:rPr lang="en-IN" sz="2400" dirty="0">
-                <a:latin typeface="Times New Roman" panose="02020603050405020304" pitchFamily="18" charset="0"/>
-                <a:cs typeface="Times New Roman" panose="02020603050405020304" pitchFamily="18" charset="0"/>
-              </a:rPr>
-              <a:t> MS Excel, Pandas, SciPy</a:t>
-            </a:r>
-          </a:p>
-          <a:p>
-            <a:pPr marL="342900" marR="0" lvl="0" indent="-342900" algn="l" defTabSz="914400" rtl="0" eaLnBrk="0" fontAlgn="base" latinLnBrk="0" hangingPunct="0">
-              <a:lnSpc>
-                <a:spcPct val="150000"/>
-              </a:lnSpc>
-              <a:spcBef>
-                <a:spcPct val="0"/>
-              </a:spcBef>
-              <a:spcAft>
-                <a:spcPct val="0"/>
-              </a:spcAft>
-              <a:buClrTx/>
-              <a:buSzTx/>
-              <a:buFont typeface="Arial" panose="020B0604020202020204" pitchFamily="34" charset="0"/>
-              <a:buChar char="•"/>
-              <a:tabLst/>
-            </a:pPr>
-            <a:r>
-              <a:rPr lang="en-IN" sz="2400" b="1" dirty="0">
-                <a:latin typeface="Times New Roman" panose="02020603050405020304" pitchFamily="18" charset="0"/>
-                <a:cs typeface="Times New Roman" panose="02020603050405020304" pitchFamily="18" charset="0"/>
-              </a:rPr>
-              <a:t>ML/DL Frameworks:</a:t>
-            </a:r>
-            <a:r>
-              <a:rPr lang="en-IN" sz="2400" dirty="0">
-                <a:latin typeface="Times New Roman" panose="02020603050405020304" pitchFamily="18" charset="0"/>
-                <a:cs typeface="Times New Roman" panose="02020603050405020304" pitchFamily="18" charset="0"/>
-              </a:rPr>
-              <a:t> Scikit-learn, TensorFlow, PyTorch, Statsmodels (for ARIMA)</a:t>
-            </a:r>
-          </a:p>
-          <a:p>
-            <a:pPr marL="342900" marR="0" lvl="0" indent="-342900" algn="l" defTabSz="914400" rtl="0" eaLnBrk="0" fontAlgn="base" latinLnBrk="0" hangingPunct="0">
-              <a:lnSpc>
-                <a:spcPct val="150000"/>
-              </a:lnSpc>
-              <a:spcBef>
-                <a:spcPct val="0"/>
-              </a:spcBef>
-              <a:spcAft>
-                <a:spcPct val="0"/>
-              </a:spcAft>
-              <a:buClrTx/>
-              <a:buSzTx/>
-              <a:buFont typeface="Arial" panose="020B0604020202020204" pitchFamily="34" charset="0"/>
-              <a:buChar char="•"/>
-              <a:tabLst/>
-            </a:pPr>
-            <a:r>
-              <a:rPr lang="en-IN" sz="2400" b="1" dirty="0">
-                <a:latin typeface="Times New Roman" panose="02020603050405020304" pitchFamily="18" charset="0"/>
-                <a:cs typeface="Times New Roman" panose="02020603050405020304" pitchFamily="18" charset="0"/>
-              </a:rPr>
-              <a:t>Database:</a:t>
-            </a:r>
-            <a:r>
-              <a:rPr lang="en-IN" sz="2400" dirty="0">
-                <a:latin typeface="Times New Roman" panose="02020603050405020304" pitchFamily="18" charset="0"/>
-                <a:cs typeface="Times New Roman" panose="02020603050405020304" pitchFamily="18" charset="0"/>
-              </a:rPr>
-              <a:t> MySQL &amp; JDBC</a:t>
-            </a:r>
-            <a:endParaRPr kumimoji="0" lang="en-US" altLang="en-US" sz="2400" b="0" i="0" u="none" strike="noStrike" cap="none" normalizeH="0" baseline="0" dirty="0">
-              <a:ln>
-                <a:noFill/>
-              </a:ln>
-              <a:solidFill>
-                <a:schemeClr val="tx1"/>
-              </a:solidFill>
-              <a:effectLst/>
-              <a:latin typeface="Times New Roman" panose="02020603050405020304" pitchFamily="18" charset="0"/>
-              <a:cs typeface="Times New Roman" panose="02020603050405020304" pitchFamily="18" charset="0"/>
-            </a:endParaRPr>
-          </a:p>
-        </p:txBody>
-      </p:sp>
+      </p:pic>
     </p:spTree>
+    <p:extLst>
+      <p:ext uri="{BB962C8B-B14F-4D97-AF65-F5344CB8AC3E}">
+        <p14:creationId xmlns:p14="http://schemas.microsoft.com/office/powerpoint/2010/main" val="388967168"/>
+      </p:ext>
+    </p:extLst>
   </p:cSld>
   <p:clrMapOvr>
     <a:masterClrMapping/>
